--- a/BFR_BFW.pptx
+++ b/BFR_BFW.pptx
@@ -12,6 +12,9 @@
     <p:sldId id="259" r:id="rId7"/>
     <p:sldId id="260" r:id="rId8"/>
     <p:sldId id="261" r:id="rId9"/>
+    <p:sldId id="262" r:id="rId10"/>
+    <p:sldId id="263" r:id="rId11"/>
+    <p:sldId id="264" r:id="rId12"/>
   </p:sldIdLst>
   <p:sldSz cx="10080625" cy="7559675"/>
   <p:notesSz cx="7559675" cy="10691812"/>
@@ -69,8 +72,8 @@
         </p:nvSpPr>
         <p:spPr>
           <a:xfrm>
-            <a:off x="1584000" y="300960"/>
-            <a:ext cx="7991280" cy="1262160"/>
+            <a:off x="504000" y="301320"/>
+            <a:ext cx="9072000" cy="1261800"/>
           </a:xfrm>
           <a:prstGeom prst="rect">
             <a:avLst/>
@@ -81,10 +84,8 @@
             <a:noAutofit/>
           </a:bodyPr>
           <a:p>
-            <a:endParaRPr b="0" lang="pt-BR" sz="1400" spc="-1" strike="noStrike">
-              <a:solidFill>
-                <a:srgbClr val="000000"/>
-              </a:solidFill>
+            <a:pPr algn="ctr"/>
+            <a:endParaRPr b="0" lang="pt-BR" sz="4400" spc="-1" strike="noStrike">
               <a:latin typeface="Arial"/>
             </a:endParaRPr>
           </a:p>
@@ -114,10 +115,7 @@
             <a:normAutofit/>
           </a:bodyPr>
           <a:p>
-            <a:endParaRPr b="0" lang="pt-BR" sz="1400" spc="-1" strike="noStrike">
-              <a:solidFill>
-                <a:srgbClr val="000000"/>
-              </a:solidFill>
+            <a:endParaRPr b="0" lang="pt-BR" sz="3200" spc="-1" strike="noStrike">
               <a:latin typeface="Arial"/>
             </a:endParaRPr>
           </a:p>
@@ -147,10 +145,7 @@
             <a:normAutofit/>
           </a:bodyPr>
           <a:p>
-            <a:endParaRPr b="0" lang="pt-BR" sz="1400" spc="-1" strike="noStrike">
-              <a:solidFill>
-                <a:srgbClr val="000000"/>
-              </a:solidFill>
+            <a:endParaRPr b="0" lang="pt-BR" sz="3200" spc="-1" strike="noStrike">
               <a:latin typeface="Arial"/>
             </a:endParaRPr>
           </a:p>
@@ -190,8 +185,8 @@
         </p:nvSpPr>
         <p:spPr>
           <a:xfrm>
-            <a:off x="1584000" y="300960"/>
-            <a:ext cx="7991280" cy="1262160"/>
+            <a:off x="504000" y="301320"/>
+            <a:ext cx="9072000" cy="1261800"/>
           </a:xfrm>
           <a:prstGeom prst="rect">
             <a:avLst/>
@@ -202,10 +197,8 @@
             <a:noAutofit/>
           </a:bodyPr>
           <a:p>
-            <a:endParaRPr b="0" lang="pt-BR" sz="1400" spc="-1" strike="noStrike">
-              <a:solidFill>
-                <a:srgbClr val="000000"/>
-              </a:solidFill>
+            <a:pPr algn="ctr"/>
+            <a:endParaRPr b="0" lang="pt-BR" sz="4400" spc="-1" strike="noStrike">
               <a:latin typeface="Arial"/>
             </a:endParaRPr>
           </a:p>
@@ -235,10 +228,7 @@
             <a:normAutofit/>
           </a:bodyPr>
           <a:p>
-            <a:endParaRPr b="0" lang="pt-BR" sz="1400" spc="-1" strike="noStrike">
-              <a:solidFill>
-                <a:srgbClr val="000000"/>
-              </a:solidFill>
+            <a:endParaRPr b="0" lang="pt-BR" sz="3200" spc="-1" strike="noStrike">
               <a:latin typeface="Arial"/>
             </a:endParaRPr>
           </a:p>
@@ -268,10 +258,7 @@
             <a:normAutofit/>
           </a:bodyPr>
           <a:p>
-            <a:endParaRPr b="0" lang="pt-BR" sz="1400" spc="-1" strike="noStrike">
-              <a:solidFill>
-                <a:srgbClr val="000000"/>
-              </a:solidFill>
+            <a:endParaRPr b="0" lang="pt-BR" sz="3200" spc="-1" strike="noStrike">
               <a:latin typeface="Arial"/>
             </a:endParaRPr>
           </a:p>
@@ -301,10 +288,7 @@
             <a:normAutofit/>
           </a:bodyPr>
           <a:p>
-            <a:endParaRPr b="0" lang="pt-BR" sz="1400" spc="-1" strike="noStrike">
-              <a:solidFill>
-                <a:srgbClr val="000000"/>
-              </a:solidFill>
+            <a:endParaRPr b="0" lang="pt-BR" sz="3200" spc="-1" strike="noStrike">
               <a:latin typeface="Arial"/>
             </a:endParaRPr>
           </a:p>
@@ -334,10 +318,7 @@
             <a:normAutofit/>
           </a:bodyPr>
           <a:p>
-            <a:endParaRPr b="0" lang="pt-BR" sz="1400" spc="-1" strike="noStrike">
-              <a:solidFill>
-                <a:srgbClr val="000000"/>
-              </a:solidFill>
+            <a:endParaRPr b="0" lang="pt-BR" sz="3200" spc="-1" strike="noStrike">
               <a:latin typeface="Arial"/>
             </a:endParaRPr>
           </a:p>
@@ -377,8 +358,8 @@
         </p:nvSpPr>
         <p:spPr>
           <a:xfrm>
-            <a:off x="1584000" y="300960"/>
-            <a:ext cx="7991280" cy="1262160"/>
+            <a:off x="504000" y="301320"/>
+            <a:ext cx="9072000" cy="1261800"/>
           </a:xfrm>
           <a:prstGeom prst="rect">
             <a:avLst/>
@@ -389,10 +370,8 @@
             <a:noAutofit/>
           </a:bodyPr>
           <a:p>
-            <a:endParaRPr b="0" lang="pt-BR" sz="1400" spc="-1" strike="noStrike">
-              <a:solidFill>
-                <a:srgbClr val="000000"/>
-              </a:solidFill>
+            <a:pPr algn="ctr"/>
+            <a:endParaRPr b="0" lang="pt-BR" sz="4400" spc="-1" strike="noStrike">
               <a:latin typeface="Arial"/>
             </a:endParaRPr>
           </a:p>
@@ -422,10 +401,7 @@
             <a:normAutofit/>
           </a:bodyPr>
           <a:p>
-            <a:endParaRPr b="0" lang="pt-BR" sz="1400" spc="-1" strike="noStrike">
-              <a:solidFill>
-                <a:srgbClr val="000000"/>
-              </a:solidFill>
+            <a:endParaRPr b="0" lang="pt-BR" sz="3200" spc="-1" strike="noStrike">
               <a:latin typeface="Arial"/>
             </a:endParaRPr>
           </a:p>
@@ -455,10 +431,7 @@
             <a:normAutofit/>
           </a:bodyPr>
           <a:p>
-            <a:endParaRPr b="0" lang="pt-BR" sz="1400" spc="-1" strike="noStrike">
-              <a:solidFill>
-                <a:srgbClr val="000000"/>
-              </a:solidFill>
+            <a:endParaRPr b="0" lang="pt-BR" sz="3200" spc="-1" strike="noStrike">
               <a:latin typeface="Arial"/>
             </a:endParaRPr>
           </a:p>
@@ -488,10 +461,7 @@
             <a:normAutofit/>
           </a:bodyPr>
           <a:p>
-            <a:endParaRPr b="0" lang="pt-BR" sz="1400" spc="-1" strike="noStrike">
-              <a:solidFill>
-                <a:srgbClr val="000000"/>
-              </a:solidFill>
+            <a:endParaRPr b="0" lang="pt-BR" sz="3200" spc="-1" strike="noStrike">
               <a:latin typeface="Arial"/>
             </a:endParaRPr>
           </a:p>
@@ -521,10 +491,7 @@
             <a:normAutofit/>
           </a:bodyPr>
           <a:p>
-            <a:endParaRPr b="0" lang="pt-BR" sz="1400" spc="-1" strike="noStrike">
-              <a:solidFill>
-                <a:srgbClr val="000000"/>
-              </a:solidFill>
+            <a:endParaRPr b="0" lang="pt-BR" sz="3200" spc="-1" strike="noStrike">
               <a:latin typeface="Arial"/>
             </a:endParaRPr>
           </a:p>
@@ -554,10 +521,7 @@
             <a:normAutofit/>
           </a:bodyPr>
           <a:p>
-            <a:endParaRPr b="0" lang="pt-BR" sz="1400" spc="-1" strike="noStrike">
-              <a:solidFill>
-                <a:srgbClr val="000000"/>
-              </a:solidFill>
+            <a:endParaRPr b="0" lang="pt-BR" sz="3200" spc="-1" strike="noStrike">
               <a:latin typeface="Arial"/>
             </a:endParaRPr>
           </a:p>
@@ -587,10 +551,7 @@
             <a:normAutofit/>
           </a:bodyPr>
           <a:p>
-            <a:endParaRPr b="0" lang="pt-BR" sz="1400" spc="-1" strike="noStrike">
-              <a:solidFill>
-                <a:srgbClr val="000000"/>
-              </a:solidFill>
+            <a:endParaRPr b="0" lang="pt-BR" sz="3200" spc="-1" strike="noStrike">
               <a:latin typeface="Arial"/>
             </a:endParaRPr>
           </a:p>
@@ -652,8 +613,8 @@
         </p:nvSpPr>
         <p:spPr>
           <a:xfrm>
-            <a:off x="1584000" y="300960"/>
-            <a:ext cx="7991280" cy="1262160"/>
+            <a:off x="504000" y="301320"/>
+            <a:ext cx="9072000" cy="1261800"/>
           </a:xfrm>
           <a:prstGeom prst="rect">
             <a:avLst/>
@@ -664,10 +625,8 @@
             <a:noAutofit/>
           </a:bodyPr>
           <a:p>
-            <a:endParaRPr b="0" lang="pt-BR" sz="1400" spc="-1" strike="noStrike">
-              <a:solidFill>
-                <a:srgbClr val="000000"/>
-              </a:solidFill>
+            <a:pPr algn="ctr"/>
+            <a:endParaRPr b="0" lang="pt-BR" sz="4400" spc="-1" strike="noStrike">
               <a:latin typeface="Arial"/>
             </a:endParaRPr>
           </a:p>
@@ -738,8 +697,8 @@
         </p:nvSpPr>
         <p:spPr>
           <a:xfrm>
-            <a:off x="1584000" y="300960"/>
-            <a:ext cx="7991280" cy="1262160"/>
+            <a:off x="504000" y="301320"/>
+            <a:ext cx="9072000" cy="1261800"/>
           </a:xfrm>
           <a:prstGeom prst="rect">
             <a:avLst/>
@@ -750,10 +709,8 @@
             <a:noAutofit/>
           </a:bodyPr>
           <a:p>
-            <a:endParaRPr b="0" lang="pt-BR" sz="1400" spc="-1" strike="noStrike">
-              <a:solidFill>
-                <a:srgbClr val="000000"/>
-              </a:solidFill>
+            <a:pPr algn="ctr"/>
+            <a:endParaRPr b="0" lang="pt-BR" sz="4400" spc="-1" strike="noStrike">
               <a:latin typeface="Arial"/>
             </a:endParaRPr>
           </a:p>
@@ -783,10 +740,7 @@
             <a:normAutofit/>
           </a:bodyPr>
           <a:p>
-            <a:endParaRPr b="0" lang="pt-BR" sz="1400" spc="-1" strike="noStrike">
-              <a:solidFill>
-                <a:srgbClr val="000000"/>
-              </a:solidFill>
+            <a:endParaRPr b="0" lang="pt-BR" sz="3200" spc="-1" strike="noStrike">
               <a:latin typeface="Arial"/>
             </a:endParaRPr>
           </a:p>
@@ -826,8 +780,8 @@
         </p:nvSpPr>
         <p:spPr>
           <a:xfrm>
-            <a:off x="1584000" y="300960"/>
-            <a:ext cx="7991280" cy="1262160"/>
+            <a:off x="504000" y="301320"/>
+            <a:ext cx="9072000" cy="1261800"/>
           </a:xfrm>
           <a:prstGeom prst="rect">
             <a:avLst/>
@@ -838,10 +792,8 @@
             <a:noAutofit/>
           </a:bodyPr>
           <a:p>
-            <a:endParaRPr b="0" lang="pt-BR" sz="1400" spc="-1" strike="noStrike">
-              <a:solidFill>
-                <a:srgbClr val="000000"/>
-              </a:solidFill>
+            <a:pPr algn="ctr"/>
+            <a:endParaRPr b="0" lang="pt-BR" sz="4400" spc="-1" strike="noStrike">
               <a:latin typeface="Arial"/>
             </a:endParaRPr>
           </a:p>
@@ -871,10 +823,7 @@
             <a:normAutofit/>
           </a:bodyPr>
           <a:p>
-            <a:endParaRPr b="0" lang="pt-BR" sz="1400" spc="-1" strike="noStrike">
-              <a:solidFill>
-                <a:srgbClr val="000000"/>
-              </a:solidFill>
+            <a:endParaRPr b="0" lang="pt-BR" sz="3200" spc="-1" strike="noStrike">
               <a:latin typeface="Arial"/>
             </a:endParaRPr>
           </a:p>
@@ -904,10 +853,7 @@
             <a:normAutofit/>
           </a:bodyPr>
           <a:p>
-            <a:endParaRPr b="0" lang="pt-BR" sz="1400" spc="-1" strike="noStrike">
-              <a:solidFill>
-                <a:srgbClr val="000000"/>
-              </a:solidFill>
+            <a:endParaRPr b="0" lang="pt-BR" sz="3200" spc="-1" strike="noStrike">
               <a:latin typeface="Arial"/>
             </a:endParaRPr>
           </a:p>
@@ -947,8 +893,8 @@
         </p:nvSpPr>
         <p:spPr>
           <a:xfrm>
-            <a:off x="1584000" y="300960"/>
-            <a:ext cx="7991280" cy="1262160"/>
+            <a:off x="504000" y="301320"/>
+            <a:ext cx="9072000" cy="1261800"/>
           </a:xfrm>
           <a:prstGeom prst="rect">
             <a:avLst/>
@@ -959,10 +905,8 @@
             <a:noAutofit/>
           </a:bodyPr>
           <a:p>
-            <a:endParaRPr b="0" lang="pt-BR" sz="1400" spc="-1" strike="noStrike">
-              <a:solidFill>
-                <a:srgbClr val="000000"/>
-              </a:solidFill>
+            <a:pPr algn="ctr"/>
+            <a:endParaRPr b="0" lang="pt-BR" sz="4400" spc="-1" strike="noStrike">
               <a:latin typeface="Arial"/>
             </a:endParaRPr>
           </a:p>
@@ -1002,8 +946,8 @@
         </p:nvSpPr>
         <p:spPr>
           <a:xfrm>
-            <a:off x="1584000" y="300960"/>
-            <a:ext cx="7991280" cy="5851800"/>
+            <a:off x="504000" y="301320"/>
+            <a:ext cx="9072000" cy="5850360"/>
           </a:xfrm>
           <a:prstGeom prst="rect">
             <a:avLst/>
@@ -1055,8 +999,8 @@
         </p:nvSpPr>
         <p:spPr>
           <a:xfrm>
-            <a:off x="1584000" y="300960"/>
-            <a:ext cx="7991280" cy="1262160"/>
+            <a:off x="504000" y="301320"/>
+            <a:ext cx="9072000" cy="1261800"/>
           </a:xfrm>
           <a:prstGeom prst="rect">
             <a:avLst/>
@@ -1067,10 +1011,8 @@
             <a:noAutofit/>
           </a:bodyPr>
           <a:p>
-            <a:endParaRPr b="0" lang="pt-BR" sz="1400" spc="-1" strike="noStrike">
-              <a:solidFill>
-                <a:srgbClr val="000000"/>
-              </a:solidFill>
+            <a:pPr algn="ctr"/>
+            <a:endParaRPr b="0" lang="pt-BR" sz="4400" spc="-1" strike="noStrike">
               <a:latin typeface="Arial"/>
             </a:endParaRPr>
           </a:p>
@@ -1100,10 +1042,7 @@
             <a:normAutofit/>
           </a:bodyPr>
           <a:p>
-            <a:endParaRPr b="0" lang="pt-BR" sz="1400" spc="-1" strike="noStrike">
-              <a:solidFill>
-                <a:srgbClr val="000000"/>
-              </a:solidFill>
+            <a:endParaRPr b="0" lang="pt-BR" sz="3200" spc="-1" strike="noStrike">
               <a:latin typeface="Arial"/>
             </a:endParaRPr>
           </a:p>
@@ -1133,10 +1072,7 @@
             <a:normAutofit/>
           </a:bodyPr>
           <a:p>
-            <a:endParaRPr b="0" lang="pt-BR" sz="1400" spc="-1" strike="noStrike">
-              <a:solidFill>
-                <a:srgbClr val="000000"/>
-              </a:solidFill>
+            <a:endParaRPr b="0" lang="pt-BR" sz="3200" spc="-1" strike="noStrike">
               <a:latin typeface="Arial"/>
             </a:endParaRPr>
           </a:p>
@@ -1166,10 +1102,7 @@
             <a:normAutofit/>
           </a:bodyPr>
           <a:p>
-            <a:endParaRPr b="0" lang="pt-BR" sz="1400" spc="-1" strike="noStrike">
-              <a:solidFill>
-                <a:srgbClr val="000000"/>
-              </a:solidFill>
+            <a:endParaRPr b="0" lang="pt-BR" sz="3200" spc="-1" strike="noStrike">
               <a:latin typeface="Arial"/>
             </a:endParaRPr>
           </a:p>
@@ -1209,8 +1142,8 @@
         </p:nvSpPr>
         <p:spPr>
           <a:xfrm>
-            <a:off x="1584000" y="300960"/>
-            <a:ext cx="7991280" cy="1262160"/>
+            <a:off x="504000" y="301320"/>
+            <a:ext cx="9072000" cy="1261800"/>
           </a:xfrm>
           <a:prstGeom prst="rect">
             <a:avLst/>
@@ -1221,10 +1154,8 @@
             <a:noAutofit/>
           </a:bodyPr>
           <a:p>
-            <a:endParaRPr b="0" lang="pt-BR" sz="1400" spc="-1" strike="noStrike">
-              <a:solidFill>
-                <a:srgbClr val="000000"/>
-              </a:solidFill>
+            <a:pPr algn="ctr"/>
+            <a:endParaRPr b="0" lang="pt-BR" sz="4400" spc="-1" strike="noStrike">
               <a:latin typeface="Arial"/>
             </a:endParaRPr>
           </a:p>
@@ -1295,8 +1226,8 @@
         </p:nvSpPr>
         <p:spPr>
           <a:xfrm>
-            <a:off x="1584000" y="300960"/>
-            <a:ext cx="7991280" cy="1262160"/>
+            <a:off x="504000" y="301320"/>
+            <a:ext cx="9072000" cy="1261800"/>
           </a:xfrm>
           <a:prstGeom prst="rect">
             <a:avLst/>
@@ -1307,10 +1238,8 @@
             <a:noAutofit/>
           </a:bodyPr>
           <a:p>
-            <a:endParaRPr b="0" lang="pt-BR" sz="1400" spc="-1" strike="noStrike">
-              <a:solidFill>
-                <a:srgbClr val="000000"/>
-              </a:solidFill>
+            <a:pPr algn="ctr"/>
+            <a:endParaRPr b="0" lang="pt-BR" sz="4400" spc="-1" strike="noStrike">
               <a:latin typeface="Arial"/>
             </a:endParaRPr>
           </a:p>
@@ -1340,10 +1269,7 @@
             <a:normAutofit/>
           </a:bodyPr>
           <a:p>
-            <a:endParaRPr b="0" lang="pt-BR" sz="1400" spc="-1" strike="noStrike">
-              <a:solidFill>
-                <a:srgbClr val="000000"/>
-              </a:solidFill>
+            <a:endParaRPr b="0" lang="pt-BR" sz="3200" spc="-1" strike="noStrike">
               <a:latin typeface="Arial"/>
             </a:endParaRPr>
           </a:p>
@@ -1373,10 +1299,7 @@
             <a:normAutofit/>
           </a:bodyPr>
           <a:p>
-            <a:endParaRPr b="0" lang="pt-BR" sz="1400" spc="-1" strike="noStrike">
-              <a:solidFill>
-                <a:srgbClr val="000000"/>
-              </a:solidFill>
+            <a:endParaRPr b="0" lang="pt-BR" sz="3200" spc="-1" strike="noStrike">
               <a:latin typeface="Arial"/>
             </a:endParaRPr>
           </a:p>
@@ -1406,10 +1329,7 @@
             <a:normAutofit/>
           </a:bodyPr>
           <a:p>
-            <a:endParaRPr b="0" lang="pt-BR" sz="1400" spc="-1" strike="noStrike">
-              <a:solidFill>
-                <a:srgbClr val="000000"/>
-              </a:solidFill>
+            <a:endParaRPr b="0" lang="pt-BR" sz="3200" spc="-1" strike="noStrike">
               <a:latin typeface="Arial"/>
             </a:endParaRPr>
           </a:p>
@@ -1449,8 +1369,8 @@
         </p:nvSpPr>
         <p:spPr>
           <a:xfrm>
-            <a:off x="1584000" y="300960"/>
-            <a:ext cx="7991280" cy="1262160"/>
+            <a:off x="504000" y="301320"/>
+            <a:ext cx="9072000" cy="1261800"/>
           </a:xfrm>
           <a:prstGeom prst="rect">
             <a:avLst/>
@@ -1461,10 +1381,8 @@
             <a:noAutofit/>
           </a:bodyPr>
           <a:p>
-            <a:endParaRPr b="0" lang="pt-BR" sz="1400" spc="-1" strike="noStrike">
-              <a:solidFill>
-                <a:srgbClr val="000000"/>
-              </a:solidFill>
+            <a:pPr algn="ctr"/>
+            <a:endParaRPr b="0" lang="pt-BR" sz="4400" spc="-1" strike="noStrike">
               <a:latin typeface="Arial"/>
             </a:endParaRPr>
           </a:p>
@@ -1494,10 +1412,7 @@
             <a:normAutofit/>
           </a:bodyPr>
           <a:p>
-            <a:endParaRPr b="0" lang="pt-BR" sz="1400" spc="-1" strike="noStrike">
-              <a:solidFill>
-                <a:srgbClr val="000000"/>
-              </a:solidFill>
+            <a:endParaRPr b="0" lang="pt-BR" sz="3200" spc="-1" strike="noStrike">
               <a:latin typeface="Arial"/>
             </a:endParaRPr>
           </a:p>
@@ -1527,10 +1442,7 @@
             <a:normAutofit/>
           </a:bodyPr>
           <a:p>
-            <a:endParaRPr b="0" lang="pt-BR" sz="1400" spc="-1" strike="noStrike">
-              <a:solidFill>
-                <a:srgbClr val="000000"/>
-              </a:solidFill>
+            <a:endParaRPr b="0" lang="pt-BR" sz="3200" spc="-1" strike="noStrike">
               <a:latin typeface="Arial"/>
             </a:endParaRPr>
           </a:p>
@@ -1560,10 +1472,7 @@
             <a:normAutofit/>
           </a:bodyPr>
           <a:p>
-            <a:endParaRPr b="0" lang="pt-BR" sz="1400" spc="-1" strike="noStrike">
-              <a:solidFill>
-                <a:srgbClr val="000000"/>
-              </a:solidFill>
+            <a:endParaRPr b="0" lang="pt-BR" sz="3200" spc="-1" strike="noStrike">
               <a:latin typeface="Arial"/>
             </a:endParaRPr>
           </a:p>
@@ -1603,8 +1512,8 @@
         </p:nvSpPr>
         <p:spPr>
           <a:xfrm>
-            <a:off x="1584000" y="300960"/>
-            <a:ext cx="7991280" cy="1262160"/>
+            <a:off x="504000" y="301320"/>
+            <a:ext cx="9072000" cy="1261800"/>
           </a:xfrm>
           <a:prstGeom prst="rect">
             <a:avLst/>
@@ -1615,10 +1524,8 @@
             <a:noAutofit/>
           </a:bodyPr>
           <a:p>
-            <a:endParaRPr b="0" lang="pt-BR" sz="1400" spc="-1" strike="noStrike">
-              <a:solidFill>
-                <a:srgbClr val="000000"/>
-              </a:solidFill>
+            <a:pPr algn="ctr"/>
+            <a:endParaRPr b="0" lang="pt-BR" sz="4400" spc="-1" strike="noStrike">
               <a:latin typeface="Arial"/>
             </a:endParaRPr>
           </a:p>
@@ -1648,10 +1555,7 @@
             <a:normAutofit/>
           </a:bodyPr>
           <a:p>
-            <a:endParaRPr b="0" lang="pt-BR" sz="1400" spc="-1" strike="noStrike">
-              <a:solidFill>
-                <a:srgbClr val="000000"/>
-              </a:solidFill>
+            <a:endParaRPr b="0" lang="pt-BR" sz="3200" spc="-1" strike="noStrike">
               <a:latin typeface="Arial"/>
             </a:endParaRPr>
           </a:p>
@@ -1681,10 +1585,7 @@
             <a:normAutofit/>
           </a:bodyPr>
           <a:p>
-            <a:endParaRPr b="0" lang="pt-BR" sz="1400" spc="-1" strike="noStrike">
-              <a:solidFill>
-                <a:srgbClr val="000000"/>
-              </a:solidFill>
+            <a:endParaRPr b="0" lang="pt-BR" sz="3200" spc="-1" strike="noStrike">
               <a:latin typeface="Arial"/>
             </a:endParaRPr>
           </a:p>
@@ -1724,8 +1625,8 @@
         </p:nvSpPr>
         <p:spPr>
           <a:xfrm>
-            <a:off x="1584000" y="300960"/>
-            <a:ext cx="7991280" cy="1262160"/>
+            <a:off x="504000" y="301320"/>
+            <a:ext cx="9072000" cy="1261800"/>
           </a:xfrm>
           <a:prstGeom prst="rect">
             <a:avLst/>
@@ -1736,10 +1637,8 @@
             <a:noAutofit/>
           </a:bodyPr>
           <a:p>
-            <a:endParaRPr b="0" lang="pt-BR" sz="1400" spc="-1" strike="noStrike">
-              <a:solidFill>
-                <a:srgbClr val="000000"/>
-              </a:solidFill>
+            <a:pPr algn="ctr"/>
+            <a:endParaRPr b="0" lang="pt-BR" sz="4400" spc="-1" strike="noStrike">
               <a:latin typeface="Arial"/>
             </a:endParaRPr>
           </a:p>
@@ -1769,10 +1668,7 @@
             <a:normAutofit/>
           </a:bodyPr>
           <a:p>
-            <a:endParaRPr b="0" lang="pt-BR" sz="1400" spc="-1" strike="noStrike">
-              <a:solidFill>
-                <a:srgbClr val="000000"/>
-              </a:solidFill>
+            <a:endParaRPr b="0" lang="pt-BR" sz="3200" spc="-1" strike="noStrike">
               <a:latin typeface="Arial"/>
             </a:endParaRPr>
           </a:p>
@@ -1802,10 +1698,7 @@
             <a:normAutofit/>
           </a:bodyPr>
           <a:p>
-            <a:endParaRPr b="0" lang="pt-BR" sz="1400" spc="-1" strike="noStrike">
-              <a:solidFill>
-                <a:srgbClr val="000000"/>
-              </a:solidFill>
+            <a:endParaRPr b="0" lang="pt-BR" sz="3200" spc="-1" strike="noStrike">
               <a:latin typeface="Arial"/>
             </a:endParaRPr>
           </a:p>
@@ -1835,10 +1728,7 @@
             <a:normAutofit/>
           </a:bodyPr>
           <a:p>
-            <a:endParaRPr b="0" lang="pt-BR" sz="1400" spc="-1" strike="noStrike">
-              <a:solidFill>
-                <a:srgbClr val="000000"/>
-              </a:solidFill>
+            <a:endParaRPr b="0" lang="pt-BR" sz="3200" spc="-1" strike="noStrike">
               <a:latin typeface="Arial"/>
             </a:endParaRPr>
           </a:p>
@@ -1868,10 +1758,7 @@
             <a:normAutofit/>
           </a:bodyPr>
           <a:p>
-            <a:endParaRPr b="0" lang="pt-BR" sz="1400" spc="-1" strike="noStrike">
-              <a:solidFill>
-                <a:srgbClr val="000000"/>
-              </a:solidFill>
+            <a:endParaRPr b="0" lang="pt-BR" sz="3200" spc="-1" strike="noStrike">
               <a:latin typeface="Arial"/>
             </a:endParaRPr>
           </a:p>
@@ -1911,8 +1798,8 @@
         </p:nvSpPr>
         <p:spPr>
           <a:xfrm>
-            <a:off x="1584000" y="300960"/>
-            <a:ext cx="7991280" cy="1262160"/>
+            <a:off x="504000" y="301320"/>
+            <a:ext cx="9072000" cy="1261800"/>
           </a:xfrm>
           <a:prstGeom prst="rect">
             <a:avLst/>
@@ -1923,10 +1810,8 @@
             <a:noAutofit/>
           </a:bodyPr>
           <a:p>
-            <a:endParaRPr b="0" lang="pt-BR" sz="1400" spc="-1" strike="noStrike">
-              <a:solidFill>
-                <a:srgbClr val="000000"/>
-              </a:solidFill>
+            <a:pPr algn="ctr"/>
+            <a:endParaRPr b="0" lang="pt-BR" sz="4400" spc="-1" strike="noStrike">
               <a:latin typeface="Arial"/>
             </a:endParaRPr>
           </a:p>
@@ -1956,10 +1841,7 @@
             <a:normAutofit/>
           </a:bodyPr>
           <a:p>
-            <a:endParaRPr b="0" lang="pt-BR" sz="1400" spc="-1" strike="noStrike">
-              <a:solidFill>
-                <a:srgbClr val="000000"/>
-              </a:solidFill>
+            <a:endParaRPr b="0" lang="pt-BR" sz="3200" spc="-1" strike="noStrike">
               <a:latin typeface="Arial"/>
             </a:endParaRPr>
           </a:p>
@@ -1989,10 +1871,7 @@
             <a:normAutofit/>
           </a:bodyPr>
           <a:p>
-            <a:endParaRPr b="0" lang="pt-BR" sz="1400" spc="-1" strike="noStrike">
-              <a:solidFill>
-                <a:srgbClr val="000000"/>
-              </a:solidFill>
+            <a:endParaRPr b="0" lang="pt-BR" sz="3200" spc="-1" strike="noStrike">
               <a:latin typeface="Arial"/>
             </a:endParaRPr>
           </a:p>
@@ -2022,10 +1901,7 @@
             <a:normAutofit/>
           </a:bodyPr>
           <a:p>
-            <a:endParaRPr b="0" lang="pt-BR" sz="1400" spc="-1" strike="noStrike">
-              <a:solidFill>
-                <a:srgbClr val="000000"/>
-              </a:solidFill>
+            <a:endParaRPr b="0" lang="pt-BR" sz="3200" spc="-1" strike="noStrike">
               <a:latin typeface="Arial"/>
             </a:endParaRPr>
           </a:p>
@@ -2055,10 +1931,7 @@
             <a:normAutofit/>
           </a:bodyPr>
           <a:p>
-            <a:endParaRPr b="0" lang="pt-BR" sz="1400" spc="-1" strike="noStrike">
-              <a:solidFill>
-                <a:srgbClr val="000000"/>
-              </a:solidFill>
+            <a:endParaRPr b="0" lang="pt-BR" sz="3200" spc="-1" strike="noStrike">
               <a:latin typeface="Arial"/>
             </a:endParaRPr>
           </a:p>
@@ -2088,10 +1961,7 @@
             <a:normAutofit/>
           </a:bodyPr>
           <a:p>
-            <a:endParaRPr b="0" lang="pt-BR" sz="1400" spc="-1" strike="noStrike">
-              <a:solidFill>
-                <a:srgbClr val="000000"/>
-              </a:solidFill>
+            <a:endParaRPr b="0" lang="pt-BR" sz="3200" spc="-1" strike="noStrike">
               <a:latin typeface="Arial"/>
             </a:endParaRPr>
           </a:p>
@@ -2121,10 +1991,7 @@
             <a:normAutofit/>
           </a:bodyPr>
           <a:p>
-            <a:endParaRPr b="0" lang="pt-BR" sz="1400" spc="-1" strike="noStrike">
-              <a:solidFill>
-                <a:srgbClr val="000000"/>
-              </a:solidFill>
+            <a:endParaRPr b="0" lang="pt-BR" sz="3200" spc="-1" strike="noStrike">
               <a:latin typeface="Arial"/>
             </a:endParaRPr>
           </a:p>
@@ -2164,8 +2031,8 @@
         </p:nvSpPr>
         <p:spPr>
           <a:xfrm>
-            <a:off x="1584000" y="300960"/>
-            <a:ext cx="7991280" cy="1262160"/>
+            <a:off x="504000" y="301320"/>
+            <a:ext cx="9072000" cy="1261800"/>
           </a:xfrm>
           <a:prstGeom prst="rect">
             <a:avLst/>
@@ -2176,10 +2043,8 @@
             <a:noAutofit/>
           </a:bodyPr>
           <a:p>
-            <a:endParaRPr b="0" lang="pt-BR" sz="1400" spc="-1" strike="noStrike">
-              <a:solidFill>
-                <a:srgbClr val="000000"/>
-              </a:solidFill>
+            <a:pPr algn="ctr"/>
+            <a:endParaRPr b="0" lang="pt-BR" sz="4400" spc="-1" strike="noStrike">
               <a:latin typeface="Arial"/>
             </a:endParaRPr>
           </a:p>
@@ -2209,10 +2074,7 @@
             <a:normAutofit/>
           </a:bodyPr>
           <a:p>
-            <a:endParaRPr b="0" lang="pt-BR" sz="1400" spc="-1" strike="noStrike">
-              <a:solidFill>
-                <a:srgbClr val="000000"/>
-              </a:solidFill>
+            <a:endParaRPr b="0" lang="pt-BR" sz="3200" spc="-1" strike="noStrike">
               <a:latin typeface="Arial"/>
             </a:endParaRPr>
           </a:p>
@@ -2252,8 +2114,8 @@
         </p:nvSpPr>
         <p:spPr>
           <a:xfrm>
-            <a:off x="1584000" y="300960"/>
-            <a:ext cx="7991280" cy="1262160"/>
+            <a:off x="504000" y="301320"/>
+            <a:ext cx="9072000" cy="1261800"/>
           </a:xfrm>
           <a:prstGeom prst="rect">
             <a:avLst/>
@@ -2264,10 +2126,8 @@
             <a:noAutofit/>
           </a:bodyPr>
           <a:p>
-            <a:endParaRPr b="0" lang="pt-BR" sz="1400" spc="-1" strike="noStrike">
-              <a:solidFill>
-                <a:srgbClr val="000000"/>
-              </a:solidFill>
+            <a:pPr algn="ctr"/>
+            <a:endParaRPr b="0" lang="pt-BR" sz="4400" spc="-1" strike="noStrike">
               <a:latin typeface="Arial"/>
             </a:endParaRPr>
           </a:p>
@@ -2297,10 +2157,7 @@
             <a:normAutofit/>
           </a:bodyPr>
           <a:p>
-            <a:endParaRPr b="0" lang="pt-BR" sz="1400" spc="-1" strike="noStrike">
-              <a:solidFill>
-                <a:srgbClr val="000000"/>
-              </a:solidFill>
+            <a:endParaRPr b="0" lang="pt-BR" sz="3200" spc="-1" strike="noStrike">
               <a:latin typeface="Arial"/>
             </a:endParaRPr>
           </a:p>
@@ -2330,10 +2187,7 @@
             <a:normAutofit/>
           </a:bodyPr>
           <a:p>
-            <a:endParaRPr b="0" lang="pt-BR" sz="1400" spc="-1" strike="noStrike">
-              <a:solidFill>
-                <a:srgbClr val="000000"/>
-              </a:solidFill>
+            <a:endParaRPr b="0" lang="pt-BR" sz="3200" spc="-1" strike="noStrike">
               <a:latin typeface="Arial"/>
             </a:endParaRPr>
           </a:p>
@@ -2373,8 +2227,8 @@
         </p:nvSpPr>
         <p:spPr>
           <a:xfrm>
-            <a:off x="1584000" y="300960"/>
-            <a:ext cx="7991280" cy="1262160"/>
+            <a:off x="504000" y="301320"/>
+            <a:ext cx="9072000" cy="1261800"/>
           </a:xfrm>
           <a:prstGeom prst="rect">
             <a:avLst/>
@@ -2385,10 +2239,8 @@
             <a:noAutofit/>
           </a:bodyPr>
           <a:p>
-            <a:endParaRPr b="0" lang="pt-BR" sz="1400" spc="-1" strike="noStrike">
-              <a:solidFill>
-                <a:srgbClr val="000000"/>
-              </a:solidFill>
+            <a:pPr algn="ctr"/>
+            <a:endParaRPr b="0" lang="pt-BR" sz="4400" spc="-1" strike="noStrike">
               <a:latin typeface="Arial"/>
             </a:endParaRPr>
           </a:p>
@@ -2428,8 +2280,8 @@
         </p:nvSpPr>
         <p:spPr>
           <a:xfrm>
-            <a:off x="1584000" y="300960"/>
-            <a:ext cx="7991280" cy="5851800"/>
+            <a:off x="504000" y="301320"/>
+            <a:ext cx="9072000" cy="5850360"/>
           </a:xfrm>
           <a:prstGeom prst="rect">
             <a:avLst/>
@@ -2481,8 +2333,8 @@
         </p:nvSpPr>
         <p:spPr>
           <a:xfrm>
-            <a:off x="1584000" y="300960"/>
-            <a:ext cx="7991280" cy="1262160"/>
+            <a:off x="504000" y="301320"/>
+            <a:ext cx="9072000" cy="1261800"/>
           </a:xfrm>
           <a:prstGeom prst="rect">
             <a:avLst/>
@@ -2493,10 +2345,8 @@
             <a:noAutofit/>
           </a:bodyPr>
           <a:p>
-            <a:endParaRPr b="0" lang="pt-BR" sz="1400" spc="-1" strike="noStrike">
-              <a:solidFill>
-                <a:srgbClr val="000000"/>
-              </a:solidFill>
+            <a:pPr algn="ctr"/>
+            <a:endParaRPr b="0" lang="pt-BR" sz="4400" spc="-1" strike="noStrike">
               <a:latin typeface="Arial"/>
             </a:endParaRPr>
           </a:p>
@@ -2526,10 +2376,7 @@
             <a:normAutofit/>
           </a:bodyPr>
           <a:p>
-            <a:endParaRPr b="0" lang="pt-BR" sz="1400" spc="-1" strike="noStrike">
-              <a:solidFill>
-                <a:srgbClr val="000000"/>
-              </a:solidFill>
+            <a:endParaRPr b="0" lang="pt-BR" sz="3200" spc="-1" strike="noStrike">
               <a:latin typeface="Arial"/>
             </a:endParaRPr>
           </a:p>
@@ -2559,10 +2406,7 @@
             <a:normAutofit/>
           </a:bodyPr>
           <a:p>
-            <a:endParaRPr b="0" lang="pt-BR" sz="1400" spc="-1" strike="noStrike">
-              <a:solidFill>
-                <a:srgbClr val="000000"/>
-              </a:solidFill>
+            <a:endParaRPr b="0" lang="pt-BR" sz="3200" spc="-1" strike="noStrike">
               <a:latin typeface="Arial"/>
             </a:endParaRPr>
           </a:p>
@@ -2592,10 +2436,7 @@
             <a:normAutofit/>
           </a:bodyPr>
           <a:p>
-            <a:endParaRPr b="0" lang="pt-BR" sz="1400" spc="-1" strike="noStrike">
-              <a:solidFill>
-                <a:srgbClr val="000000"/>
-              </a:solidFill>
+            <a:endParaRPr b="0" lang="pt-BR" sz="3200" spc="-1" strike="noStrike">
               <a:latin typeface="Arial"/>
             </a:endParaRPr>
           </a:p>
@@ -2635,8 +2476,8 @@
         </p:nvSpPr>
         <p:spPr>
           <a:xfrm>
-            <a:off x="1584000" y="300960"/>
-            <a:ext cx="7991280" cy="1262160"/>
+            <a:off x="504000" y="301320"/>
+            <a:ext cx="9072000" cy="1261800"/>
           </a:xfrm>
           <a:prstGeom prst="rect">
             <a:avLst/>
@@ -2647,10 +2488,8 @@
             <a:noAutofit/>
           </a:bodyPr>
           <a:p>
-            <a:endParaRPr b="0" lang="pt-BR" sz="1400" spc="-1" strike="noStrike">
-              <a:solidFill>
-                <a:srgbClr val="000000"/>
-              </a:solidFill>
+            <a:pPr algn="ctr"/>
+            <a:endParaRPr b="0" lang="pt-BR" sz="4400" spc="-1" strike="noStrike">
               <a:latin typeface="Arial"/>
             </a:endParaRPr>
           </a:p>
@@ -2680,10 +2519,7 @@
             <a:normAutofit/>
           </a:bodyPr>
           <a:p>
-            <a:endParaRPr b="0" lang="pt-BR" sz="1400" spc="-1" strike="noStrike">
-              <a:solidFill>
-                <a:srgbClr val="000000"/>
-              </a:solidFill>
+            <a:endParaRPr b="0" lang="pt-BR" sz="3200" spc="-1" strike="noStrike">
               <a:latin typeface="Arial"/>
             </a:endParaRPr>
           </a:p>
@@ -2713,10 +2549,7 @@
             <a:normAutofit/>
           </a:bodyPr>
           <a:p>
-            <a:endParaRPr b="0" lang="pt-BR" sz="1400" spc="-1" strike="noStrike">
-              <a:solidFill>
-                <a:srgbClr val="000000"/>
-              </a:solidFill>
+            <a:endParaRPr b="0" lang="pt-BR" sz="3200" spc="-1" strike="noStrike">
               <a:latin typeface="Arial"/>
             </a:endParaRPr>
           </a:p>
@@ -2746,10 +2579,7 @@
             <a:normAutofit/>
           </a:bodyPr>
           <a:p>
-            <a:endParaRPr b="0" lang="pt-BR" sz="1400" spc="-1" strike="noStrike">
-              <a:solidFill>
-                <a:srgbClr val="000000"/>
-              </a:solidFill>
+            <a:endParaRPr b="0" lang="pt-BR" sz="3200" spc="-1" strike="noStrike">
               <a:latin typeface="Arial"/>
             </a:endParaRPr>
           </a:p>
@@ -2789,8 +2619,8 @@
         </p:nvSpPr>
         <p:spPr>
           <a:xfrm>
-            <a:off x="1584000" y="300960"/>
-            <a:ext cx="7991280" cy="1262160"/>
+            <a:off x="504000" y="301320"/>
+            <a:ext cx="9072000" cy="1261800"/>
           </a:xfrm>
           <a:prstGeom prst="rect">
             <a:avLst/>
@@ -2801,10 +2631,8 @@
             <a:noAutofit/>
           </a:bodyPr>
           <a:p>
-            <a:endParaRPr b="0" lang="pt-BR" sz="1400" spc="-1" strike="noStrike">
-              <a:solidFill>
-                <a:srgbClr val="000000"/>
-              </a:solidFill>
+            <a:pPr algn="ctr"/>
+            <a:endParaRPr b="0" lang="pt-BR" sz="4400" spc="-1" strike="noStrike">
               <a:latin typeface="Arial"/>
             </a:endParaRPr>
           </a:p>
@@ -2834,10 +2662,7 @@
             <a:normAutofit/>
           </a:bodyPr>
           <a:p>
-            <a:endParaRPr b="0" lang="pt-BR" sz="1400" spc="-1" strike="noStrike">
-              <a:solidFill>
-                <a:srgbClr val="000000"/>
-              </a:solidFill>
+            <a:endParaRPr b="0" lang="pt-BR" sz="3200" spc="-1" strike="noStrike">
               <a:latin typeface="Arial"/>
             </a:endParaRPr>
           </a:p>
@@ -2867,10 +2692,7 @@
             <a:normAutofit/>
           </a:bodyPr>
           <a:p>
-            <a:endParaRPr b="0" lang="pt-BR" sz="1400" spc="-1" strike="noStrike">
-              <a:solidFill>
-                <a:srgbClr val="000000"/>
-              </a:solidFill>
+            <a:endParaRPr b="0" lang="pt-BR" sz="3200" spc="-1" strike="noStrike">
               <a:latin typeface="Arial"/>
             </a:endParaRPr>
           </a:p>
@@ -2900,10 +2722,7 @@
             <a:normAutofit/>
           </a:bodyPr>
           <a:p>
-            <a:endParaRPr b="0" lang="pt-BR" sz="1400" spc="-1" strike="noStrike">
-              <a:solidFill>
-                <a:srgbClr val="000000"/>
-              </a:solidFill>
+            <a:endParaRPr b="0" lang="pt-BR" sz="3200" spc="-1" strike="noStrike">
               <a:latin typeface="Arial"/>
             </a:endParaRPr>
           </a:p>
@@ -2944,7 +2763,7 @@
         <p:spPr>
           <a:xfrm>
             <a:off x="360" y="0"/>
-            <a:ext cx="10871280" cy="7631640"/>
+            <a:ext cx="10870560" cy="7630920"/>
           </a:xfrm>
           <a:prstGeom prst="rect">
             <a:avLst/>
@@ -2966,8 +2785,8 @@
         </p:nvSpPr>
         <p:spPr>
           <a:xfrm>
-            <a:off x="1584000" y="300960"/>
-            <a:ext cx="7991280" cy="1262160"/>
+            <a:off x="504000" y="301320"/>
+            <a:ext cx="9072000" cy="1261800"/>
           </a:xfrm>
           <a:prstGeom prst="rect">
             <a:avLst/>
@@ -2978,19 +2797,14 @@
             <a:noAutofit/>
           </a:bodyPr>
           <a:p>
+            <a:pPr algn="ctr"/>
             <a:r>
-              <a:rPr b="0" lang="pt-BR" sz="1800" spc="-1" strike="noStrike">
-                <a:solidFill>
-                  <a:srgbClr val="000000"/>
-                </a:solidFill>
+              <a:rPr b="0" lang="pt-BR" sz="4400" spc="-1" strike="noStrike">
                 <a:latin typeface="Arial"/>
               </a:rPr>
               <a:t>Clique para editar o formato do texto do título</a:t>
             </a:r>
-            <a:endParaRPr b="0" lang="pt-BR" sz="1800" spc="-1" strike="noStrike">
-              <a:solidFill>
-                <a:srgbClr val="000000"/>
-              </a:solidFill>
+            <a:endParaRPr b="0" lang="pt-BR" sz="4400" spc="-1" strike="noStrike">
               <a:latin typeface="Arial"/>
             </a:endParaRPr>
           </a:p>
@@ -3008,8 +2822,8 @@
         </p:nvSpPr>
         <p:spPr>
           <a:xfrm>
-            <a:off x="1296000" y="1768320"/>
-            <a:ext cx="8279640" cy="5117760"/>
+            <a:off x="504000" y="1768680"/>
+            <a:ext cx="9072000" cy="4384080"/>
           </a:xfrm>
           <a:prstGeom prst="rect">
             <a:avLst/>
@@ -3032,18 +2846,12 @@
               <a:buChar char=""/>
             </a:pPr>
             <a:r>
-              <a:rPr b="0" lang="pt-BR" sz="1800" spc="-1" strike="noStrike">
-                <a:solidFill>
-                  <a:srgbClr val="000000"/>
-                </a:solidFill>
+              <a:rPr b="0" lang="pt-BR" sz="3200" spc="-1" strike="noStrike">
                 <a:latin typeface="Arial"/>
               </a:rPr>
               <a:t>Clique para editar o formato do texto da estrutura de tópicos</a:t>
             </a:r>
-            <a:endParaRPr b="0" lang="pt-BR" sz="1800" spc="-1" strike="noStrike">
-              <a:solidFill>
-                <a:srgbClr val="000000"/>
-              </a:solidFill>
+            <a:endParaRPr b="0" lang="pt-BR" sz="3200" spc="-1" strike="noStrike">
               <a:latin typeface="Arial"/>
             </a:endParaRPr>
           </a:p>
@@ -3060,18 +2868,12 @@
               <a:buChar char=""/>
             </a:pPr>
             <a:r>
-              <a:rPr b="0" lang="pt-BR" sz="1800" spc="-1" strike="noStrike">
-                <a:solidFill>
-                  <a:srgbClr val="000000"/>
-                </a:solidFill>
+              <a:rPr b="0" lang="pt-BR" sz="2800" spc="-1" strike="noStrike">
                 <a:latin typeface="Arial"/>
               </a:rPr>
               <a:t>2.º nível da estrutura de tópicos</a:t>
             </a:r>
-            <a:endParaRPr b="0" lang="pt-BR" sz="1800" spc="-1" strike="noStrike">
-              <a:solidFill>
-                <a:srgbClr val="000000"/>
-              </a:solidFill>
+            <a:endParaRPr b="0" lang="pt-BR" sz="2800" spc="-1" strike="noStrike">
               <a:latin typeface="Arial"/>
             </a:endParaRPr>
           </a:p>
@@ -3088,18 +2890,12 @@
               <a:buChar char=""/>
             </a:pPr>
             <a:r>
-              <a:rPr b="0" lang="pt-BR" sz="1800" spc="-1" strike="noStrike">
-                <a:solidFill>
-                  <a:srgbClr val="000000"/>
-                </a:solidFill>
+              <a:rPr b="0" lang="pt-BR" sz="2400" spc="-1" strike="noStrike">
                 <a:latin typeface="Arial"/>
               </a:rPr>
               <a:t>3.º nível da estrutura de tópicos</a:t>
             </a:r>
-            <a:endParaRPr b="0" lang="pt-BR" sz="1800" spc="-1" strike="noStrike">
-              <a:solidFill>
-                <a:srgbClr val="000000"/>
-              </a:solidFill>
+            <a:endParaRPr b="0" lang="pt-BR" sz="2400" spc="-1" strike="noStrike">
               <a:latin typeface="Arial"/>
             </a:endParaRPr>
           </a:p>
@@ -3116,18 +2912,12 @@
               <a:buChar char=""/>
             </a:pPr>
             <a:r>
-              <a:rPr b="0" lang="pt-BR" sz="1800" spc="-1" strike="noStrike">
-                <a:solidFill>
-                  <a:srgbClr val="000000"/>
-                </a:solidFill>
+              <a:rPr b="0" lang="pt-BR" sz="2000" spc="-1" strike="noStrike">
                 <a:latin typeface="Arial"/>
               </a:rPr>
               <a:t>4.º nível da estrutura de tópicos</a:t>
             </a:r>
-            <a:endParaRPr b="0" lang="pt-BR" sz="1800" spc="-1" strike="noStrike">
-              <a:solidFill>
-                <a:srgbClr val="000000"/>
-              </a:solidFill>
+            <a:endParaRPr b="0" lang="pt-BR" sz="2000" spc="-1" strike="noStrike">
               <a:latin typeface="Arial"/>
             </a:endParaRPr>
           </a:p>
@@ -3144,18 +2934,12 @@
               <a:buChar char=""/>
             </a:pPr>
             <a:r>
-              <a:rPr b="0" lang="pt-BR" sz="1800" spc="-1" strike="noStrike">
-                <a:solidFill>
-                  <a:srgbClr val="000000"/>
-                </a:solidFill>
+              <a:rPr b="0" lang="pt-BR" sz="2000" spc="-1" strike="noStrike">
                 <a:latin typeface="Arial"/>
               </a:rPr>
               <a:t>5.º nível da estrutura de tópicos</a:t>
             </a:r>
-            <a:endParaRPr b="0" lang="pt-BR" sz="1800" spc="-1" strike="noStrike">
-              <a:solidFill>
-                <a:srgbClr val="000000"/>
-              </a:solidFill>
+            <a:endParaRPr b="0" lang="pt-BR" sz="2000" spc="-1" strike="noStrike">
               <a:latin typeface="Arial"/>
             </a:endParaRPr>
           </a:p>
@@ -3172,18 +2956,12 @@
               <a:buChar char=""/>
             </a:pPr>
             <a:r>
-              <a:rPr b="0" lang="pt-BR" sz="1800" spc="-1" strike="noStrike">
-                <a:solidFill>
-                  <a:srgbClr val="000000"/>
-                </a:solidFill>
+              <a:rPr b="0" lang="pt-BR" sz="2000" spc="-1" strike="noStrike">
                 <a:latin typeface="Arial"/>
               </a:rPr>
               <a:t>6.º nível da estrutura de tópicos</a:t>
             </a:r>
-            <a:endParaRPr b="0" lang="pt-BR" sz="1800" spc="-1" strike="noStrike">
-              <a:solidFill>
-                <a:srgbClr val="000000"/>
-              </a:solidFill>
+            <a:endParaRPr b="0" lang="pt-BR" sz="2000" spc="-1" strike="noStrike">
               <a:latin typeface="Arial"/>
             </a:endParaRPr>
           </a:p>
@@ -3200,18 +2978,12 @@
               <a:buChar char=""/>
             </a:pPr>
             <a:r>
-              <a:rPr b="0" lang="pt-BR" sz="1800" spc="-1" strike="noStrike">
-                <a:solidFill>
-                  <a:srgbClr val="000000"/>
-                </a:solidFill>
+              <a:rPr b="0" lang="pt-BR" sz="2000" spc="-1" strike="noStrike">
                 <a:latin typeface="Arial"/>
               </a:rPr>
               <a:t>7.º nível da estrutura de tópicos</a:t>
             </a:r>
-            <a:endParaRPr b="0" lang="pt-BR" sz="1800" spc="-1" strike="noStrike">
-              <a:solidFill>
-                <a:srgbClr val="000000"/>
-              </a:solidFill>
+            <a:endParaRPr b="0" lang="pt-BR" sz="2000" spc="-1" strike="noStrike">
               <a:latin typeface="Arial"/>
             </a:endParaRPr>
           </a:p>
@@ -3267,7 +3039,7 @@
         <p:spPr>
           <a:xfrm>
             <a:off x="360" y="0"/>
-            <a:ext cx="10871280" cy="7631640"/>
+            <a:ext cx="10870560" cy="7630920"/>
           </a:xfrm>
           <a:prstGeom prst="rect">
             <a:avLst/>
@@ -3289,8 +3061,8 @@
         </p:nvSpPr>
         <p:spPr>
           <a:xfrm>
-            <a:off x="1584000" y="300960"/>
-            <a:ext cx="7991280" cy="1262160"/>
+            <a:off x="504000" y="301320"/>
+            <a:ext cx="9072000" cy="1261800"/>
           </a:xfrm>
           <a:prstGeom prst="rect">
             <a:avLst/>
@@ -3301,19 +3073,14 @@
             <a:noAutofit/>
           </a:bodyPr>
           <a:p>
+            <a:pPr algn="ctr"/>
             <a:r>
-              <a:rPr b="0" lang="pt-BR" sz="1800" spc="-1" strike="noStrike">
-                <a:solidFill>
-                  <a:srgbClr val="000000"/>
-                </a:solidFill>
+              <a:rPr b="0" lang="pt-BR" sz="4400" spc="-1" strike="noStrike">
                 <a:latin typeface="Arial"/>
               </a:rPr>
               <a:t>Clique para editar o formato do texto do título</a:t>
             </a:r>
-            <a:endParaRPr b="0" lang="pt-BR" sz="1800" spc="-1" strike="noStrike">
-              <a:solidFill>
-                <a:srgbClr val="000000"/>
-              </a:solidFill>
+            <a:endParaRPr b="0" lang="pt-BR" sz="4400" spc="-1" strike="noStrike">
               <a:latin typeface="Arial"/>
             </a:endParaRPr>
           </a:p>
@@ -3355,18 +3122,12 @@
               <a:buChar char=""/>
             </a:pPr>
             <a:r>
-              <a:rPr b="0" lang="pt-BR" sz="1400" spc="-1" strike="noStrike">
-                <a:solidFill>
-                  <a:srgbClr val="000000"/>
-                </a:solidFill>
+              <a:rPr b="0" lang="pt-BR" sz="3200" spc="-1" strike="noStrike">
                 <a:latin typeface="Arial"/>
               </a:rPr>
               <a:t>Clique para editar o formato do texto da estrutura de tópicos</a:t>
             </a:r>
-            <a:endParaRPr b="0" lang="pt-BR" sz="1400" spc="-1" strike="noStrike">
-              <a:solidFill>
-                <a:srgbClr val="000000"/>
-              </a:solidFill>
+            <a:endParaRPr b="0" lang="pt-BR" sz="3200" spc="-1" strike="noStrike">
               <a:latin typeface="Arial"/>
             </a:endParaRPr>
           </a:p>
@@ -3383,18 +3144,12 @@
               <a:buChar char=""/>
             </a:pPr>
             <a:r>
-              <a:rPr b="0" lang="pt-BR" sz="1400" spc="-1" strike="noStrike">
-                <a:solidFill>
-                  <a:srgbClr val="000000"/>
-                </a:solidFill>
+              <a:rPr b="0" lang="pt-BR" sz="2800" spc="-1" strike="noStrike">
                 <a:latin typeface="Arial"/>
               </a:rPr>
               <a:t>2.º nível da estrutura de tópicos</a:t>
             </a:r>
-            <a:endParaRPr b="0" lang="pt-BR" sz="1400" spc="-1" strike="noStrike">
-              <a:solidFill>
-                <a:srgbClr val="000000"/>
-              </a:solidFill>
+            <a:endParaRPr b="0" lang="pt-BR" sz="2800" spc="-1" strike="noStrike">
               <a:latin typeface="Arial"/>
             </a:endParaRPr>
           </a:p>
@@ -3411,18 +3166,12 @@
               <a:buChar char=""/>
             </a:pPr>
             <a:r>
-              <a:rPr b="0" lang="pt-BR" sz="1400" spc="-1" strike="noStrike">
-                <a:solidFill>
-                  <a:srgbClr val="000000"/>
-                </a:solidFill>
+              <a:rPr b="0" lang="pt-BR" sz="2400" spc="-1" strike="noStrike">
                 <a:latin typeface="Arial"/>
               </a:rPr>
               <a:t>3.º nível da estrutura de tópicos</a:t>
             </a:r>
-            <a:endParaRPr b="0" lang="pt-BR" sz="1400" spc="-1" strike="noStrike">
-              <a:solidFill>
-                <a:srgbClr val="000000"/>
-              </a:solidFill>
+            <a:endParaRPr b="0" lang="pt-BR" sz="2400" spc="-1" strike="noStrike">
               <a:latin typeface="Arial"/>
             </a:endParaRPr>
           </a:p>
@@ -3439,18 +3188,12 @@
               <a:buChar char=""/>
             </a:pPr>
             <a:r>
-              <a:rPr b="0" lang="pt-BR" sz="1400" spc="-1" strike="noStrike">
-                <a:solidFill>
-                  <a:srgbClr val="000000"/>
-                </a:solidFill>
+              <a:rPr b="0" lang="pt-BR" sz="2000" spc="-1" strike="noStrike">
                 <a:latin typeface="Arial"/>
               </a:rPr>
               <a:t>4.º nível da estrutura de tópicos</a:t>
             </a:r>
-            <a:endParaRPr b="0" lang="pt-BR" sz="1400" spc="-1" strike="noStrike">
-              <a:solidFill>
-                <a:srgbClr val="000000"/>
-              </a:solidFill>
+            <a:endParaRPr b="0" lang="pt-BR" sz="2000" spc="-1" strike="noStrike">
               <a:latin typeface="Arial"/>
             </a:endParaRPr>
           </a:p>
@@ -3468,17 +3211,11 @@
             </a:pPr>
             <a:r>
               <a:rPr b="0" lang="pt-BR" sz="2000" spc="-1" strike="noStrike">
-                <a:solidFill>
-                  <a:srgbClr val="000000"/>
-                </a:solidFill>
                 <a:latin typeface="Arial"/>
               </a:rPr>
               <a:t>5.º nível da estrutura de tópicos</a:t>
             </a:r>
             <a:endParaRPr b="0" lang="pt-BR" sz="2000" spc="-1" strike="noStrike">
-              <a:solidFill>
-                <a:srgbClr val="000000"/>
-              </a:solidFill>
               <a:latin typeface="Arial"/>
             </a:endParaRPr>
           </a:p>
@@ -3496,17 +3233,11 @@
             </a:pPr>
             <a:r>
               <a:rPr b="0" lang="pt-BR" sz="2000" spc="-1" strike="noStrike">
-                <a:solidFill>
-                  <a:srgbClr val="000000"/>
-                </a:solidFill>
                 <a:latin typeface="Arial"/>
               </a:rPr>
               <a:t>6.º nível da estrutura de tópicos</a:t>
             </a:r>
             <a:endParaRPr b="0" lang="pt-BR" sz="2000" spc="-1" strike="noStrike">
-              <a:solidFill>
-                <a:srgbClr val="000000"/>
-              </a:solidFill>
               <a:latin typeface="Arial"/>
             </a:endParaRPr>
           </a:p>
@@ -3524,17 +3255,11 @@
             </a:pPr>
             <a:r>
               <a:rPr b="0" lang="pt-BR" sz="2000" spc="-1" strike="noStrike">
-                <a:solidFill>
-                  <a:srgbClr val="000000"/>
-                </a:solidFill>
                 <a:latin typeface="Arial"/>
               </a:rPr>
               <a:t>7.º nível da estrutura de tópicos</a:t>
             </a:r>
             <a:endParaRPr b="0" lang="pt-BR" sz="2000" spc="-1" strike="noStrike">
-              <a:solidFill>
-                <a:srgbClr val="000000"/>
-              </a:solidFill>
               <a:latin typeface="Arial"/>
             </a:endParaRPr>
           </a:p>
@@ -3586,7 +3311,7 @@
         <p:spPr>
           <a:xfrm>
             <a:off x="-69480" y="0"/>
-            <a:ext cx="10149840" cy="7559280"/>
+            <a:ext cx="10149120" cy="7558560"/>
           </a:xfrm>
           <a:prstGeom prst="rect">
             <a:avLst/>
@@ -3663,14 +3388,14 @@
       </p:grpSpPr>
       <p:sp>
         <p:nvSpPr>
-          <p:cNvPr id="79" name="TextShape 1"/>
-          <p:cNvSpPr txBox="1"/>
+          <p:cNvPr id="79" name="CustomShape 1"/>
+          <p:cNvSpPr/>
           <p:nvPr/>
         </p:nvSpPr>
         <p:spPr>
           <a:xfrm>
             <a:off x="1584000" y="300960"/>
-            <a:ext cx="7991280" cy="1262160"/>
+            <a:ext cx="7990560" cy="1261440"/>
           </a:xfrm>
           <a:prstGeom prst="rect">
             <a:avLst/>
@@ -3680,6 +3405,12 @@
             <a:noFill/>
           </a:ln>
         </p:spPr>
+        <p:style>
+          <a:lnRef idx="0"/>
+          <a:fillRef idx="0"/>
+          <a:effectRef idx="0"/>
+          <a:fontRef idx="minor"/>
+        </p:style>
         <p:txBody>
           <a:bodyPr lIns="0" rIns="0" tIns="0" bIns="0" anchor="ctr">
             <a:noAutofit/>
@@ -3704,24 +3435,21 @@
               <a:t>Buffer</a:t>
             </a:r>
             <a:endParaRPr b="0" lang="pt-BR" sz="4800" spc="-1" strike="noStrike">
-              <a:solidFill>
-                <a:srgbClr val="000000"/>
-              </a:solidFill>
-              <a:latin typeface="Arial"/>
-            </a:endParaRPr>
-          </a:p>
-        </p:txBody>
-      </p:sp>
-      <p:sp>
-        <p:nvSpPr>
-          <p:cNvPr id="80" name="TextShape 2"/>
-          <p:cNvSpPr txBox="1"/>
+              <a:latin typeface="Arial"/>
+            </a:endParaRPr>
+          </a:p>
+        </p:txBody>
+      </p:sp>
+      <p:sp>
+        <p:nvSpPr>
+          <p:cNvPr id="80" name="CustomShape 2"/>
+          <p:cNvSpPr/>
           <p:nvPr/>
         </p:nvSpPr>
         <p:spPr>
           <a:xfrm>
             <a:off x="1296000" y="1311120"/>
-            <a:ext cx="8279640" cy="5117760"/>
+            <a:ext cx="8278920" cy="5117040"/>
           </a:xfrm>
           <a:prstGeom prst="rect">
             <a:avLst/>
@@ -3731,6 +3459,12 @@
             <a:noFill/>
           </a:ln>
         </p:spPr>
+        <p:style>
+          <a:lnRef idx="0"/>
+          <a:fillRef idx="0"/>
+          <a:effectRef idx="0"/>
+          <a:fontRef idx="minor"/>
+        </p:style>
         <p:txBody>
           <a:bodyPr lIns="0" rIns="0" tIns="0" bIns="0" anchor="ctr">
             <a:normAutofit/>
@@ -3773,7 +3507,7 @@
         <p:spPr>
           <a:xfrm>
             <a:off x="5084280" y="5651640"/>
-            <a:ext cx="990720" cy="1052280"/>
+            <a:ext cx="990000" cy="1051560"/>
           </a:xfrm>
           <a:prstGeom prst="rect">
             <a:avLst/>
@@ -3815,14 +3549,14 @@
       </p:grpSpPr>
       <p:sp>
         <p:nvSpPr>
-          <p:cNvPr id="82" name="TextShape 1"/>
-          <p:cNvSpPr txBox="1"/>
+          <p:cNvPr id="82" name="CustomShape 1"/>
+          <p:cNvSpPr/>
           <p:nvPr/>
         </p:nvSpPr>
         <p:spPr>
           <a:xfrm>
             <a:off x="1584000" y="300960"/>
-            <a:ext cx="7991280" cy="1262160"/>
+            <a:ext cx="7990560" cy="1261440"/>
           </a:xfrm>
           <a:prstGeom prst="rect">
             <a:avLst/>
@@ -3832,6 +3566,12 @@
             <a:noFill/>
           </a:ln>
         </p:spPr>
+        <p:style>
+          <a:lnRef idx="0"/>
+          <a:fillRef idx="0"/>
+          <a:effectRef idx="0"/>
+          <a:fontRef idx="minor"/>
+        </p:style>
         <p:txBody>
           <a:bodyPr lIns="0" rIns="0" tIns="0" bIns="0" anchor="ctr">
             <a:noAutofit/>
@@ -3856,24 +3596,21 @@
               <a:t>BufferedWriter e BufferedReader</a:t>
             </a:r>
             <a:endParaRPr b="0" lang="pt-BR" sz="4000" spc="-1" strike="noStrike">
-              <a:solidFill>
-                <a:srgbClr val="000000"/>
-              </a:solidFill>
-              <a:latin typeface="Arial"/>
-            </a:endParaRPr>
-          </a:p>
-        </p:txBody>
-      </p:sp>
-      <p:sp>
-        <p:nvSpPr>
-          <p:cNvPr id="83" name="TextShape 2"/>
-          <p:cNvSpPr txBox="1"/>
+              <a:latin typeface="Arial"/>
+            </a:endParaRPr>
+          </a:p>
+        </p:txBody>
+      </p:sp>
+      <p:sp>
+        <p:nvSpPr>
+          <p:cNvPr id="83" name="CustomShape 2"/>
+          <p:cNvSpPr/>
           <p:nvPr/>
         </p:nvSpPr>
         <p:spPr>
           <a:xfrm>
             <a:off x="1296000" y="1768320"/>
-            <a:ext cx="8279640" cy="5117760"/>
+            <a:ext cx="8278920" cy="5117040"/>
           </a:xfrm>
           <a:prstGeom prst="rect">
             <a:avLst/>
@@ -3883,6 +3620,12 @@
             <a:noFill/>
           </a:ln>
         </p:spPr>
+        <p:style>
+          <a:lnRef idx="0"/>
+          <a:fillRef idx="0"/>
+          <a:effectRef idx="0"/>
+          <a:fontRef idx="minor"/>
+        </p:style>
         <p:txBody>
           <a:bodyPr lIns="0" rIns="0" tIns="0" bIns="0" anchor="ctr">
             <a:normAutofit/>
@@ -3964,14 +3707,14 @@
       </p:grpSpPr>
       <p:sp>
         <p:nvSpPr>
-          <p:cNvPr id="84" name="TextShape 1"/>
-          <p:cNvSpPr txBox="1"/>
+          <p:cNvPr id="84" name="CustomShape 1"/>
+          <p:cNvSpPr/>
           <p:nvPr/>
         </p:nvSpPr>
         <p:spPr>
           <a:xfrm>
             <a:off x="1584000" y="300960"/>
-            <a:ext cx="7991280" cy="1262160"/>
+            <a:ext cx="7990560" cy="1261440"/>
           </a:xfrm>
           <a:prstGeom prst="rect">
             <a:avLst/>
@@ -3981,6 +3724,12 @@
             <a:noFill/>
           </a:ln>
         </p:spPr>
+        <p:style>
+          <a:lnRef idx="0"/>
+          <a:fillRef idx="0"/>
+          <a:effectRef idx="0"/>
+          <a:fontRef idx="minor"/>
+        </p:style>
         <p:txBody>
           <a:bodyPr lIns="0" rIns="0" tIns="0" bIns="0" anchor="ctr">
             <a:noAutofit/>
@@ -4005,24 +3754,21 @@
               <a:t>BufferedReader</a:t>
             </a:r>
             <a:endParaRPr b="0" lang="pt-BR" sz="4000" spc="-1" strike="noStrike">
-              <a:solidFill>
-                <a:srgbClr val="000000"/>
-              </a:solidFill>
-              <a:latin typeface="Arial"/>
-            </a:endParaRPr>
-          </a:p>
-        </p:txBody>
-      </p:sp>
-      <p:sp>
-        <p:nvSpPr>
-          <p:cNvPr id="85" name="TextShape 2"/>
-          <p:cNvSpPr txBox="1"/>
+              <a:latin typeface="Arial"/>
+            </a:endParaRPr>
+          </a:p>
+        </p:txBody>
+      </p:sp>
+      <p:sp>
+        <p:nvSpPr>
+          <p:cNvPr id="85" name="CustomShape 2"/>
+          <p:cNvSpPr/>
           <p:nvPr/>
         </p:nvSpPr>
         <p:spPr>
           <a:xfrm>
             <a:off x="1296000" y="1768320"/>
-            <a:ext cx="8279640" cy="5117760"/>
+            <a:ext cx="8278920" cy="5117040"/>
           </a:xfrm>
           <a:prstGeom prst="rect">
             <a:avLst/>
@@ -4032,6 +3778,12 @@
             <a:noFill/>
           </a:ln>
         </p:spPr>
+        <p:style>
+          <a:lnRef idx="0"/>
+          <a:fillRef idx="0"/>
+          <a:effectRef idx="0"/>
+          <a:fontRef idx="minor"/>
+        </p:style>
         <p:txBody>
           <a:bodyPr lIns="0" rIns="0" tIns="0" bIns="0" anchor="ctr">
             <a:noAutofit/>
@@ -4083,7 +3835,7 @@
             </a:endParaRPr>
           </a:p>
           <a:p>
-            <a:pPr marL="216000" indent="-216000">
+            <a:pPr marL="216000" indent="-215280">
               <a:lnSpc>
                 <a:spcPct val="115000"/>
               </a:lnSpc>
@@ -4105,7 +3857,36 @@
                 <a:latin typeface="Arial"/>
                 <a:ea typeface="Arial"/>
               </a:rPr>
-              <a:t>.readLine() - método utilizado para retornar o conteúdo de toda uma linha em formato String; </a:t>
+              <a:t>.readLine() - método utilizado para retornar o conteúdo de toda uma linha em formato String;</a:t>
+            </a:r>
+            <a:endParaRPr b="0" lang="pt-BR" sz="2400" spc="-1" strike="noStrike">
+              <a:latin typeface="Arial"/>
+            </a:endParaRPr>
+          </a:p>
+          <a:p>
+            <a:pPr marL="216000" indent="-215280">
+              <a:lnSpc>
+                <a:spcPct val="115000"/>
+              </a:lnSpc>
+              <a:buClr>
+                <a:srgbClr val="000000"/>
+              </a:buClr>
+              <a:buSzPct val="45000"/>
+              <a:buFont typeface="Wingdings" charset="2"/>
+              <a:buChar char=""/>
+              <a:tabLst>
+                <a:tab algn="l" pos="0"/>
+              </a:tabLst>
+            </a:pPr>
+            <a:r>
+              <a:rPr b="0" lang="pt-BR" sz="2400" spc="-1" strike="noStrike">
+                <a:solidFill>
+                  <a:srgbClr val="000000"/>
+                </a:solidFill>
+                <a:latin typeface="Arial"/>
+                <a:ea typeface="Arial"/>
+              </a:rPr>
+              <a:t>.close() - fecha o fluxo e libera recursos ocupados; </a:t>
             </a:r>
             <a:r>
               <a:rPr b="0" lang="pt-BR" sz="2400" spc="-1" strike="noStrike">
@@ -4168,14 +3949,14 @@
       </p:grpSpPr>
       <p:sp>
         <p:nvSpPr>
-          <p:cNvPr id="86" name="TextShape 1"/>
-          <p:cNvSpPr txBox="1"/>
+          <p:cNvPr id="86" name="CustomShape 1"/>
+          <p:cNvSpPr/>
           <p:nvPr/>
         </p:nvSpPr>
         <p:spPr>
           <a:xfrm>
             <a:off x="1584000" y="300960"/>
-            <a:ext cx="7991280" cy="1262160"/>
+            <a:ext cx="7990560" cy="1261440"/>
           </a:xfrm>
           <a:prstGeom prst="rect">
             <a:avLst/>
@@ -4185,6 +3966,12 @@
             <a:noFill/>
           </a:ln>
         </p:spPr>
+        <p:style>
+          <a:lnRef idx="0"/>
+          <a:fillRef idx="0"/>
+          <a:effectRef idx="0"/>
+          <a:fontRef idx="minor"/>
+        </p:style>
         <p:txBody>
           <a:bodyPr lIns="0" rIns="0" tIns="0" bIns="0" anchor="ctr">
             <a:noAutofit/>
@@ -4206,27 +3993,24 @@
                 <a:latin typeface="Arial"/>
                 <a:ea typeface="Arial"/>
               </a:rPr>
-              <a:t>BufferedWriter</a:t>
+              <a:t>BufferedReader</a:t>
             </a:r>
             <a:endParaRPr b="0" lang="pt-BR" sz="4000" spc="-1" strike="noStrike">
-              <a:solidFill>
-                <a:srgbClr val="000000"/>
-              </a:solidFill>
-              <a:latin typeface="Arial"/>
-            </a:endParaRPr>
-          </a:p>
-        </p:txBody>
-      </p:sp>
-      <p:sp>
-        <p:nvSpPr>
-          <p:cNvPr id="87" name="TextShape 2"/>
-          <p:cNvSpPr txBox="1"/>
+              <a:latin typeface="Arial"/>
+            </a:endParaRPr>
+          </a:p>
+        </p:txBody>
+      </p:sp>
+      <p:sp>
+        <p:nvSpPr>
+          <p:cNvPr id="87" name="CustomShape 2"/>
+          <p:cNvSpPr/>
           <p:nvPr/>
         </p:nvSpPr>
         <p:spPr>
           <a:xfrm>
             <a:off x="1296000" y="1768320"/>
-            <a:ext cx="8279640" cy="5117760"/>
+            <a:ext cx="8278920" cy="5117040"/>
           </a:xfrm>
           <a:prstGeom prst="rect">
             <a:avLst/>
@@ -4236,6 +4020,12 @@
             <a:noFill/>
           </a:ln>
         </p:spPr>
+        <p:style>
+          <a:lnRef idx="0"/>
+          <a:fillRef idx="0"/>
+          <a:effectRef idx="0"/>
+          <a:fontRef idx="minor"/>
+        </p:style>
         <p:txBody>
           <a:bodyPr lIns="0" rIns="0" tIns="0" bIns="0" anchor="ctr">
             <a:noAutofit/>
@@ -4259,97 +4049,6 @@
               </a:rPr>
               <a:t>	</a:t>
             </a:r>
-            <a:r>
-              <a:rPr b="0" lang="pt-BR" sz="2400" spc="-1" strike="noStrike">
-                <a:solidFill>
-                  <a:srgbClr val="000000"/>
-                </a:solidFill>
-                <a:latin typeface="Arial"/>
-                <a:ea typeface="Arial"/>
-              </a:rPr>
-              <a:t>Classe utilizada para escrever dados em arquivos de texto, semelhante a classe Filewriter, porém o armazenamento em buffer otimiza o processo ao reduzir o número de chamadas de gravação no arquivo.</a:t>
-            </a:r>
-            <a:endParaRPr b="0" lang="pt-BR" sz="2400" spc="-1" strike="noStrike">
-              <a:latin typeface="Arial"/>
-            </a:endParaRPr>
-          </a:p>
-          <a:p>
-            <a:pPr>
-              <a:lnSpc>
-                <a:spcPct val="115000"/>
-              </a:lnSpc>
-              <a:tabLst>
-                <a:tab algn="l" pos="0"/>
-              </a:tabLst>
-            </a:pPr>
-            <a:endParaRPr b="0" lang="pt-BR" sz="2400" spc="-1" strike="noStrike">
-              <a:latin typeface="Arial"/>
-            </a:endParaRPr>
-          </a:p>
-          <a:p>
-            <a:pPr marL="216000" indent="-216000">
-              <a:lnSpc>
-                <a:spcPct val="115000"/>
-              </a:lnSpc>
-              <a:buClr>
-                <a:srgbClr val="000000"/>
-              </a:buClr>
-              <a:buSzPct val="45000"/>
-              <a:buFont typeface="Wingdings" charset="2"/>
-              <a:buChar char=""/>
-              <a:tabLst>
-                <a:tab algn="l" pos="0"/>
-              </a:tabLst>
-            </a:pPr>
-            <a:r>
-              <a:rPr b="0" lang="pt-BR" sz="2400" spc="-1" strike="noStrike">
-                <a:solidFill>
-                  <a:srgbClr val="000000"/>
-                </a:solidFill>
-                <a:latin typeface="Arial"/>
-                <a:ea typeface="Arial"/>
-              </a:rPr>
-              <a:t>.write() - método utilizado para gravar dados do tipo String no arquivo configurado;</a:t>
-            </a:r>
-            <a:endParaRPr b="0" lang="pt-BR" sz="2400" spc="-1" strike="noStrike">
-              <a:latin typeface="Arial"/>
-            </a:endParaRPr>
-          </a:p>
-          <a:p>
-            <a:pPr marL="216000" indent="-216000">
-              <a:lnSpc>
-                <a:spcPct val="115000"/>
-              </a:lnSpc>
-              <a:buClr>
-                <a:srgbClr val="000000"/>
-              </a:buClr>
-              <a:buSzPct val="45000"/>
-              <a:buFont typeface="Wingdings" charset="2"/>
-              <a:buChar char=""/>
-              <a:tabLst>
-                <a:tab algn="l" pos="0"/>
-              </a:tabLst>
-            </a:pPr>
-            <a:r>
-              <a:rPr b="0" lang="pt-BR" sz="2400" spc="-1" strike="noStrike">
-                <a:solidFill>
-                  <a:srgbClr val="000000"/>
-                </a:solidFill>
-                <a:latin typeface="Arial"/>
-                <a:ea typeface="Arial"/>
-              </a:rPr>
-              <a:t>.newLine() - método utilizado para separar com uma nova linha o conteúdo armazenado no buffer e que está sendo gravado em ar</a:t>
-            </a:r>
-            <a:r>
-              <a:rPr b="0" lang="pt-BR" sz="2400" spc="-1" strike="noStrike">
-                <a:solidFill>
-                  <a:srgbClr val="000000"/>
-                </a:solidFill>
-                <a:latin typeface="Arial"/>
-                <a:ea typeface="Arial"/>
-              </a:rPr>
-              <a:t>quivo;</a:t>
-            </a:r>
             <a:endParaRPr b="0" lang="pt-BR" sz="2400" spc="-1" strike="noStrike">
               <a:latin typeface="Arial"/>
             </a:endParaRPr>
@@ -4369,6 +4068,29 @@
           </a:p>
         </p:txBody>
       </p:sp>
+      <p:pic>
+        <p:nvPicPr>
+          <p:cNvPr id="88" name="" descr=""/>
+          <p:cNvPicPr/>
+          <p:nvPr/>
+        </p:nvPicPr>
+        <p:blipFill>
+          <a:blip r:embed="rId1"/>
+          <a:stretch/>
+        </p:blipFill>
+        <p:spPr>
+          <a:xfrm>
+            <a:off x="1522080" y="1905840"/>
+            <a:ext cx="7962480" cy="3790440"/>
+          </a:xfrm>
+          <a:prstGeom prst="rect">
+            <a:avLst/>
+          </a:prstGeom>
+          <a:ln>
+            <a:noFill/>
+          </a:ln>
+        </p:spPr>
+      </p:pic>
     </p:spTree>
   </p:cSld>
   <mc:AlternateContent>
@@ -4401,14 +4123,14 @@
       </p:grpSpPr>
       <p:sp>
         <p:nvSpPr>
-          <p:cNvPr id="88" name="TextShape 1"/>
-          <p:cNvSpPr txBox="1"/>
+          <p:cNvPr id="89" name="CustomShape 1"/>
+          <p:cNvSpPr/>
           <p:nvPr/>
         </p:nvSpPr>
         <p:spPr>
           <a:xfrm>
-            <a:off x="1188000" y="1884960"/>
-            <a:ext cx="7991280" cy="1262160"/>
+            <a:off x="1584000" y="300960"/>
+            <a:ext cx="7990560" cy="1261440"/>
           </a:xfrm>
           <a:prstGeom prst="rect">
             <a:avLst/>
@@ -4418,6 +4140,617 @@
             <a:noFill/>
           </a:ln>
         </p:spPr>
+        <p:style>
+          <a:lnRef idx="0"/>
+          <a:fillRef idx="0"/>
+          <a:effectRef idx="0"/>
+          <a:fontRef idx="minor"/>
+        </p:style>
+        <p:txBody>
+          <a:bodyPr lIns="0" rIns="0" tIns="0" bIns="0" anchor="ctr">
+            <a:noAutofit/>
+          </a:bodyPr>
+          <a:p>
+            <a:pPr algn="ctr">
+              <a:lnSpc>
+                <a:spcPct val="100000"/>
+              </a:lnSpc>
+              <a:tabLst>
+                <a:tab algn="l" pos="0"/>
+              </a:tabLst>
+            </a:pPr>
+            <a:r>
+              <a:rPr b="1" lang="pt-BR" sz="4000" spc="-1" strike="noStrike">
+                <a:solidFill>
+                  <a:srgbClr val="45982f"/>
+                </a:solidFill>
+                <a:latin typeface="Arial"/>
+                <a:ea typeface="Arial"/>
+              </a:rPr>
+              <a:t>BufferedWriter</a:t>
+            </a:r>
+            <a:endParaRPr b="0" lang="pt-BR" sz="4000" spc="-1" strike="noStrike">
+              <a:latin typeface="Arial"/>
+            </a:endParaRPr>
+          </a:p>
+        </p:txBody>
+      </p:sp>
+      <p:sp>
+        <p:nvSpPr>
+          <p:cNvPr id="90" name="CustomShape 2"/>
+          <p:cNvSpPr/>
+          <p:nvPr/>
+        </p:nvSpPr>
+        <p:spPr>
+          <a:xfrm>
+            <a:off x="1296000" y="1768320"/>
+            <a:ext cx="8278920" cy="5117040"/>
+          </a:xfrm>
+          <a:prstGeom prst="rect">
+            <a:avLst/>
+          </a:prstGeom>
+          <a:noFill/>
+          <a:ln>
+            <a:noFill/>
+          </a:ln>
+        </p:spPr>
+        <p:style>
+          <a:lnRef idx="0"/>
+          <a:fillRef idx="0"/>
+          <a:effectRef idx="0"/>
+          <a:fontRef idx="minor"/>
+        </p:style>
+        <p:txBody>
+          <a:bodyPr lIns="0" rIns="0" tIns="0" bIns="0" anchor="ctr">
+            <a:noAutofit/>
+          </a:bodyPr>
+          <a:p>
+            <a:pPr>
+              <a:lnSpc>
+                <a:spcPct val="115000"/>
+              </a:lnSpc>
+              <a:tabLst>
+                <a:tab algn="l" pos="0"/>
+              </a:tabLst>
+            </a:pPr>
+            <a:r>
+              <a:rPr b="0" lang="pt-BR" sz="2400" spc="-1" strike="noStrike">
+                <a:solidFill>
+                  <a:srgbClr val="000000"/>
+                </a:solidFill>
+                <a:latin typeface="Arial"/>
+                <a:ea typeface="Arial"/>
+              </a:rPr>
+              <a:t>	</a:t>
+            </a:r>
+            <a:r>
+              <a:rPr b="0" lang="pt-BR" sz="2400" spc="-1" strike="noStrike">
+                <a:solidFill>
+                  <a:srgbClr val="000000"/>
+                </a:solidFill>
+                <a:latin typeface="Arial"/>
+                <a:ea typeface="Arial"/>
+              </a:rPr>
+              <a:t>Classe utilizada para escrever dados em arquivos de texto, semelhante a classe Filewriter, porém o armazenamento em buffer otimiza o processo ao reduzir o número de chamadas de gravação no arquivo.</a:t>
+            </a:r>
+            <a:endParaRPr b="0" lang="pt-BR" sz="2400" spc="-1" strike="noStrike">
+              <a:latin typeface="Arial"/>
+            </a:endParaRPr>
+          </a:p>
+          <a:p>
+            <a:pPr>
+              <a:lnSpc>
+                <a:spcPct val="115000"/>
+              </a:lnSpc>
+              <a:tabLst>
+                <a:tab algn="l" pos="0"/>
+              </a:tabLst>
+            </a:pPr>
+            <a:endParaRPr b="0" lang="pt-BR" sz="2400" spc="-1" strike="noStrike">
+              <a:latin typeface="Arial"/>
+            </a:endParaRPr>
+          </a:p>
+          <a:p>
+            <a:pPr marL="216000" indent="-215280">
+              <a:lnSpc>
+                <a:spcPct val="115000"/>
+              </a:lnSpc>
+              <a:buClr>
+                <a:srgbClr val="000000"/>
+              </a:buClr>
+              <a:buSzPct val="45000"/>
+              <a:buFont typeface="Wingdings" charset="2"/>
+              <a:buChar char=""/>
+              <a:tabLst>
+                <a:tab algn="l" pos="0"/>
+              </a:tabLst>
+            </a:pPr>
+            <a:r>
+              <a:rPr b="0" lang="pt-BR" sz="2400" spc="-1" strike="noStrike">
+                <a:solidFill>
+                  <a:srgbClr val="000000"/>
+                </a:solidFill>
+                <a:latin typeface="Arial"/>
+                <a:ea typeface="Arial"/>
+              </a:rPr>
+              <a:t>.write() - método utilizado para gravar dados do tipo String no arquivo configurado;</a:t>
+            </a:r>
+            <a:endParaRPr b="0" lang="pt-BR" sz="2400" spc="-1" strike="noStrike">
+              <a:latin typeface="Arial"/>
+            </a:endParaRPr>
+          </a:p>
+          <a:p>
+            <a:pPr marL="216000" indent="-215280">
+              <a:lnSpc>
+                <a:spcPct val="115000"/>
+              </a:lnSpc>
+              <a:buClr>
+                <a:srgbClr val="000000"/>
+              </a:buClr>
+              <a:buSzPct val="45000"/>
+              <a:buFont typeface="Wingdings" charset="2"/>
+              <a:buChar char=""/>
+              <a:tabLst>
+                <a:tab algn="l" pos="0"/>
+              </a:tabLst>
+            </a:pPr>
+            <a:r>
+              <a:rPr b="0" lang="pt-BR" sz="2400" spc="-1" strike="noStrike">
+                <a:solidFill>
+                  <a:srgbClr val="000000"/>
+                </a:solidFill>
+                <a:latin typeface="Arial"/>
+                <a:ea typeface="Arial"/>
+              </a:rPr>
+              <a:t>.newLine() - método utilizado para separar com uma nova linha o conteúdo armazenado no buffer e que está sendo gravado em arquivo;</a:t>
+            </a:r>
+            <a:endParaRPr b="0" lang="pt-BR" sz="2400" spc="-1" strike="noStrike">
+              <a:latin typeface="Arial"/>
+            </a:endParaRPr>
+          </a:p>
+          <a:p>
+            <a:pPr marL="216000" indent="-215280">
+              <a:lnSpc>
+                <a:spcPct val="115000"/>
+              </a:lnSpc>
+              <a:buClr>
+                <a:srgbClr val="000000"/>
+              </a:buClr>
+              <a:buSzPct val="45000"/>
+              <a:buFont typeface="Wingdings" charset="2"/>
+              <a:buChar char=""/>
+              <a:tabLst>
+                <a:tab algn="l" pos="0"/>
+              </a:tabLst>
+            </a:pPr>
+            <a:r>
+              <a:rPr b="0" lang="pt-BR" sz="2400" spc="-1" strike="noStrike">
+                <a:solidFill>
+                  <a:srgbClr val="000000"/>
+                </a:solidFill>
+                <a:latin typeface="Arial"/>
+                <a:ea typeface="Arial"/>
+              </a:rPr>
+              <a:t>.close() - método que interrompe o gravador bem como desaloca valores ou recursos utilizados (limpa o buffer);</a:t>
+            </a:r>
+            <a:endParaRPr b="0" lang="pt-BR" sz="2400" spc="-1" strike="noStrike">
+              <a:latin typeface="Arial"/>
+            </a:endParaRPr>
+          </a:p>
+          <a:p>
+            <a:pPr>
+              <a:lnSpc>
+                <a:spcPct val="100000"/>
+              </a:lnSpc>
+              <a:tabLst>
+                <a:tab algn="l" pos="0"/>
+              </a:tabLst>
+            </a:pPr>
+            <a:endParaRPr b="0" lang="pt-BR" sz="2400" spc="-1" strike="noStrike">
+              <a:latin typeface="Arial"/>
+            </a:endParaRPr>
+          </a:p>
+        </p:txBody>
+      </p:sp>
+    </p:spTree>
+  </p:cSld>
+  <mc:AlternateContent>
+    <mc:Choice Requires="p14">
+      <p:transition spd="slow" p14:dur="2000"/>
+    </mc:Choice>
+    <mc:Fallback>
+      <p:transition spd="slow"/>
+    </mc:Fallback>
+  </mc:AlternateContent>
+</p:sld>
+</file>
+
+<file path=ppt/slides/slide7.xml><?xml version="1.0" encoding="utf-8"?>
+<p:sld xmlns:a="http://schemas.openxmlformats.org/drawingml/2006/main" xmlns:p="http://schemas.openxmlformats.org/presentationml/2006/main" xmlns:r="http://schemas.openxmlformats.org/officeDocument/2006/relationships" xmlns:p14="http://schemas.microsoft.com/office/powerpoint/2010/main" xmlns:p15="http://schemas.microsoft.com/office/powerpoint/2012/main" xmlns:mc="http://schemas.openxmlformats.org/markup-compatibility/2006">
+  <p:cSld>
+    <p:spTree>
+      <p:nvGrpSpPr>
+        <p:cNvPr id="1" name=""/>
+        <p:cNvGrpSpPr/>
+        <p:nvPr/>
+      </p:nvGrpSpPr>
+      <p:grpSpPr>
+        <a:xfrm>
+          <a:off x="0" y="0"/>
+          <a:ext cx="0" cy="0"/>
+          <a:chOff x="0" y="0"/>
+          <a:chExt cx="0" cy="0"/>
+        </a:xfrm>
+      </p:grpSpPr>
+      <p:sp>
+        <p:nvSpPr>
+          <p:cNvPr id="91" name="CustomShape 1"/>
+          <p:cNvSpPr/>
+          <p:nvPr/>
+        </p:nvSpPr>
+        <p:spPr>
+          <a:xfrm>
+            <a:off x="1584000" y="300960"/>
+            <a:ext cx="7990560" cy="1261440"/>
+          </a:xfrm>
+          <a:prstGeom prst="rect">
+            <a:avLst/>
+          </a:prstGeom>
+          <a:noFill/>
+          <a:ln>
+            <a:noFill/>
+          </a:ln>
+        </p:spPr>
+        <p:style>
+          <a:lnRef idx="0"/>
+          <a:fillRef idx="0"/>
+          <a:effectRef idx="0"/>
+          <a:fontRef idx="minor"/>
+        </p:style>
+        <p:txBody>
+          <a:bodyPr lIns="0" rIns="0" tIns="0" bIns="0" anchor="ctr">
+            <a:noAutofit/>
+          </a:bodyPr>
+          <a:p>
+            <a:pPr algn="ctr">
+              <a:lnSpc>
+                <a:spcPct val="100000"/>
+              </a:lnSpc>
+              <a:tabLst>
+                <a:tab algn="l" pos="0"/>
+              </a:tabLst>
+            </a:pPr>
+            <a:r>
+              <a:rPr b="1" lang="pt-BR" sz="4000" spc="-1" strike="noStrike">
+                <a:solidFill>
+                  <a:srgbClr val="45982f"/>
+                </a:solidFill>
+                <a:latin typeface="Arial"/>
+                <a:ea typeface="Arial"/>
+              </a:rPr>
+              <a:t>BufferedWriter</a:t>
+            </a:r>
+            <a:endParaRPr b="0" lang="pt-BR" sz="4000" spc="-1" strike="noStrike">
+              <a:latin typeface="Arial"/>
+            </a:endParaRPr>
+          </a:p>
+        </p:txBody>
+      </p:sp>
+      <p:sp>
+        <p:nvSpPr>
+          <p:cNvPr id="92" name="CustomShape 2"/>
+          <p:cNvSpPr/>
+          <p:nvPr/>
+        </p:nvSpPr>
+        <p:spPr>
+          <a:xfrm>
+            <a:off x="1296000" y="1768320"/>
+            <a:ext cx="8278920" cy="5117040"/>
+          </a:xfrm>
+          <a:prstGeom prst="rect">
+            <a:avLst/>
+          </a:prstGeom>
+          <a:noFill/>
+          <a:ln>
+            <a:noFill/>
+          </a:ln>
+        </p:spPr>
+        <p:style>
+          <a:lnRef idx="0"/>
+          <a:fillRef idx="0"/>
+          <a:effectRef idx="0"/>
+          <a:fontRef idx="minor"/>
+        </p:style>
+        <p:txBody>
+          <a:bodyPr lIns="0" rIns="0" tIns="0" bIns="0" anchor="ctr">
+            <a:noAutofit/>
+          </a:bodyPr>
+          <a:p>
+            <a:pPr>
+              <a:lnSpc>
+                <a:spcPct val="115000"/>
+              </a:lnSpc>
+              <a:tabLst>
+                <a:tab algn="l" pos="0"/>
+              </a:tabLst>
+            </a:pPr>
+            <a:endParaRPr b="0" lang="pt-BR" sz="1800" spc="-1" strike="noStrike">
+              <a:latin typeface="Arial"/>
+            </a:endParaRPr>
+          </a:p>
+          <a:p>
+            <a:pPr>
+              <a:lnSpc>
+                <a:spcPct val="100000"/>
+              </a:lnSpc>
+              <a:tabLst>
+                <a:tab algn="l" pos="0"/>
+              </a:tabLst>
+            </a:pPr>
+            <a:endParaRPr b="0" lang="pt-BR" sz="1800" spc="-1" strike="noStrike">
+              <a:latin typeface="Arial"/>
+            </a:endParaRPr>
+          </a:p>
+        </p:txBody>
+      </p:sp>
+      <p:pic>
+        <p:nvPicPr>
+          <p:cNvPr id="93" name="" descr=""/>
+          <p:cNvPicPr/>
+          <p:nvPr/>
+        </p:nvPicPr>
+        <p:blipFill>
+          <a:blip r:embed="rId1"/>
+          <a:stretch/>
+        </p:blipFill>
+        <p:spPr>
+          <a:xfrm>
+            <a:off x="1426680" y="2701080"/>
+            <a:ext cx="8152920" cy="2199960"/>
+          </a:xfrm>
+          <a:prstGeom prst="rect">
+            <a:avLst/>
+          </a:prstGeom>
+          <a:ln>
+            <a:noFill/>
+          </a:ln>
+        </p:spPr>
+      </p:pic>
+    </p:spTree>
+  </p:cSld>
+  <mc:AlternateContent>
+    <mc:Choice Requires="p14">
+      <p:transition spd="slow" p14:dur="2000"/>
+    </mc:Choice>
+    <mc:Fallback>
+      <p:transition spd="slow"/>
+    </mc:Fallback>
+  </mc:AlternateContent>
+</p:sld>
+</file>
+
+<file path=ppt/slides/slide8.xml><?xml version="1.0" encoding="utf-8"?>
+<p:sld xmlns:a="http://schemas.openxmlformats.org/drawingml/2006/main" xmlns:p="http://schemas.openxmlformats.org/presentationml/2006/main" xmlns:r="http://schemas.openxmlformats.org/officeDocument/2006/relationships" xmlns:p14="http://schemas.microsoft.com/office/powerpoint/2010/main" xmlns:p15="http://schemas.microsoft.com/office/powerpoint/2012/main" xmlns:mc="http://schemas.openxmlformats.org/markup-compatibility/2006">
+  <p:cSld>
+    <p:spTree>
+      <p:nvGrpSpPr>
+        <p:cNvPr id="1" name=""/>
+        <p:cNvGrpSpPr/>
+        <p:nvPr/>
+      </p:nvGrpSpPr>
+      <p:grpSpPr>
+        <a:xfrm>
+          <a:off x="0" y="0"/>
+          <a:ext cx="0" cy="0"/>
+          <a:chOff x="0" y="0"/>
+          <a:chExt cx="0" cy="0"/>
+        </a:xfrm>
+      </p:grpSpPr>
+      <p:sp>
+        <p:nvSpPr>
+          <p:cNvPr id="94" name="CustomShape 1"/>
+          <p:cNvSpPr/>
+          <p:nvPr/>
+        </p:nvSpPr>
+        <p:spPr>
+          <a:xfrm>
+            <a:off x="1584000" y="300960"/>
+            <a:ext cx="7990560" cy="1261440"/>
+          </a:xfrm>
+          <a:prstGeom prst="rect">
+            <a:avLst/>
+          </a:prstGeom>
+          <a:noFill/>
+          <a:ln>
+            <a:noFill/>
+          </a:ln>
+        </p:spPr>
+        <p:style>
+          <a:lnRef idx="0"/>
+          <a:fillRef idx="0"/>
+          <a:effectRef idx="0"/>
+          <a:fontRef idx="minor"/>
+        </p:style>
+        <p:txBody>
+          <a:bodyPr lIns="0" rIns="0" tIns="0" bIns="0" anchor="ctr">
+            <a:noAutofit/>
+          </a:bodyPr>
+          <a:p>
+            <a:pPr algn="ctr">
+              <a:lnSpc>
+                <a:spcPct val="100000"/>
+              </a:lnSpc>
+              <a:tabLst>
+                <a:tab algn="l" pos="0"/>
+              </a:tabLst>
+            </a:pPr>
+            <a:r>
+              <a:rPr b="1" lang="pt-BR" sz="4000" spc="-1" strike="noStrike">
+                <a:solidFill>
+                  <a:srgbClr val="45982f"/>
+                </a:solidFill>
+                <a:latin typeface="Arial"/>
+                <a:ea typeface="Arial"/>
+              </a:rPr>
+              <a:t>BufferedWriter e BufferedReader</a:t>
+            </a:r>
+            <a:endParaRPr b="0" lang="pt-BR" sz="4000" spc="-1" strike="noStrike">
+              <a:latin typeface="Arial"/>
+            </a:endParaRPr>
+          </a:p>
+        </p:txBody>
+      </p:sp>
+      <p:sp>
+        <p:nvSpPr>
+          <p:cNvPr id="95" name="CustomShape 2"/>
+          <p:cNvSpPr/>
+          <p:nvPr/>
+        </p:nvSpPr>
+        <p:spPr>
+          <a:xfrm>
+            <a:off x="1296000" y="1768320"/>
+            <a:ext cx="8278920" cy="5117040"/>
+          </a:xfrm>
+          <a:prstGeom prst="rect">
+            <a:avLst/>
+          </a:prstGeom>
+          <a:noFill/>
+          <a:ln>
+            <a:noFill/>
+          </a:ln>
+        </p:spPr>
+        <p:style>
+          <a:lnRef idx="0"/>
+          <a:fillRef idx="0"/>
+          <a:effectRef idx="0"/>
+          <a:fontRef idx="minor"/>
+        </p:style>
+      </p:sp>
+      <p:pic>
+        <p:nvPicPr>
+          <p:cNvPr id="96" name="" descr=""/>
+          <p:cNvPicPr/>
+          <p:nvPr/>
+        </p:nvPicPr>
+        <p:blipFill>
+          <a:blip r:embed="rId1"/>
+          <a:stretch/>
+        </p:blipFill>
+        <p:spPr>
+          <a:xfrm>
+            <a:off x="2764440" y="2525040"/>
+            <a:ext cx="5333400" cy="2399760"/>
+          </a:xfrm>
+          <a:prstGeom prst="rect">
+            <a:avLst/>
+          </a:prstGeom>
+          <a:ln>
+            <a:noFill/>
+          </a:ln>
+        </p:spPr>
+      </p:pic>
+      <p:sp>
+        <p:nvSpPr>
+          <p:cNvPr id="97" name="CustomShape 3"/>
+          <p:cNvSpPr/>
+          <p:nvPr/>
+        </p:nvSpPr>
+        <p:spPr>
+          <a:xfrm>
+            <a:off x="3541320" y="5125320"/>
+            <a:ext cx="4054320" cy="346320"/>
+          </a:xfrm>
+          <a:prstGeom prst="rect">
+            <a:avLst/>
+          </a:prstGeom>
+          <a:noFill/>
+          <a:ln>
+            <a:noFill/>
+          </a:ln>
+        </p:spPr>
+        <p:style>
+          <a:lnRef idx="0"/>
+          <a:fillRef idx="0"/>
+          <a:effectRef idx="0"/>
+          <a:fontRef idx="minor"/>
+        </p:style>
+        <p:txBody>
+          <a:bodyPr lIns="90000" rIns="90000" tIns="45000" bIns="45000">
+            <a:noAutofit/>
+          </a:bodyPr>
+          <a:p>
+            <a:pPr>
+              <a:lnSpc>
+                <a:spcPct val="100000"/>
+              </a:lnSpc>
+            </a:pPr>
+            <a:r>
+              <a:rPr b="0" lang="pt-BR" sz="1800" spc="-1" strike="noStrike">
+                <a:latin typeface="Arial"/>
+              </a:rPr>
+              <a:t>https://github.com/MathPDB/BFWBFR</a:t>
+            </a:r>
+            <a:endParaRPr b="0" lang="pt-BR" sz="1800" spc="-1" strike="noStrike">
+              <a:latin typeface="Arial"/>
+            </a:endParaRPr>
+          </a:p>
+        </p:txBody>
+      </p:sp>
+    </p:spTree>
+  </p:cSld>
+  <mc:AlternateContent>
+    <mc:Choice Requires="p14">
+      <p:transition spd="slow" p14:dur="2000"/>
+    </mc:Choice>
+    <mc:Fallback>
+      <p:transition spd="slow"/>
+    </mc:Fallback>
+  </mc:AlternateContent>
+</p:sld>
+</file>
+
+<file path=ppt/slides/slide9.xml><?xml version="1.0" encoding="utf-8"?>
+<p:sld xmlns:a="http://schemas.openxmlformats.org/drawingml/2006/main" xmlns:p="http://schemas.openxmlformats.org/presentationml/2006/main" xmlns:r="http://schemas.openxmlformats.org/officeDocument/2006/relationships" xmlns:p14="http://schemas.microsoft.com/office/powerpoint/2010/main" xmlns:p15="http://schemas.microsoft.com/office/powerpoint/2012/main" xmlns:mc="http://schemas.openxmlformats.org/markup-compatibility/2006">
+  <p:cSld>
+    <p:spTree>
+      <p:nvGrpSpPr>
+        <p:cNvPr id="1" name=""/>
+        <p:cNvGrpSpPr/>
+        <p:nvPr/>
+      </p:nvGrpSpPr>
+      <p:grpSpPr>
+        <a:xfrm>
+          <a:off x="0" y="0"/>
+          <a:ext cx="0" cy="0"/>
+          <a:chOff x="0" y="0"/>
+          <a:chExt cx="0" cy="0"/>
+        </a:xfrm>
+      </p:grpSpPr>
+      <p:sp>
+        <p:nvSpPr>
+          <p:cNvPr id="98" name="CustomShape 1"/>
+          <p:cNvSpPr/>
+          <p:nvPr/>
+        </p:nvSpPr>
+        <p:spPr>
+          <a:xfrm>
+            <a:off x="1188000" y="1884960"/>
+            <a:ext cx="7990560" cy="1261440"/>
+          </a:xfrm>
+          <a:prstGeom prst="rect">
+            <a:avLst/>
+          </a:prstGeom>
+          <a:noFill/>
+          <a:ln>
+            <a:noFill/>
+          </a:ln>
+        </p:spPr>
+        <p:style>
+          <a:lnRef idx="0"/>
+          <a:fillRef idx="0"/>
+          <a:effectRef idx="0"/>
+          <a:fontRef idx="minor"/>
+        </p:style>
         <p:txBody>
           <a:bodyPr lIns="0" rIns="0" tIns="0" bIns="0" anchor="ctr">
             <a:noAutofit/>
@@ -4442,24 +4775,21 @@
               <a:t>Obrigado pela Atenção.</a:t>
             </a:r>
             <a:endParaRPr b="0" lang="pt-BR" sz="4800" spc="-1" strike="noStrike">
-              <a:solidFill>
-                <a:srgbClr val="000000"/>
-              </a:solidFill>
-              <a:latin typeface="Arial"/>
-            </a:endParaRPr>
-          </a:p>
-        </p:txBody>
-      </p:sp>
-      <p:sp>
-        <p:nvSpPr>
-          <p:cNvPr id="89" name="TextShape 2"/>
-          <p:cNvSpPr txBox="1"/>
+              <a:latin typeface="Arial"/>
+            </a:endParaRPr>
+          </a:p>
+        </p:txBody>
+      </p:sp>
+      <p:sp>
+        <p:nvSpPr>
+          <p:cNvPr id="99" name="CustomShape 2"/>
+          <p:cNvSpPr/>
           <p:nvPr/>
         </p:nvSpPr>
         <p:spPr>
           <a:xfrm>
-            <a:off x="504000" y="5148000"/>
-            <a:ext cx="9072000" cy="1904760"/>
+            <a:off x="566640" y="4994280"/>
+            <a:ext cx="9071280" cy="1904040"/>
           </a:xfrm>
           <a:prstGeom prst="rect">
             <a:avLst/>
@@ -4469,149 +4799,175 @@
             <a:noFill/>
           </a:ln>
         </p:spPr>
-        <p:txBody>
-          <a:bodyPr lIns="0" rIns="0" tIns="0" bIns="0">
-            <a:normAutofit/>
-          </a:bodyPr>
-          <a:p>
-            <a:pPr marL="432000" indent="-324000">
-              <a:spcBef>
-                <a:spcPts val="1417"/>
-              </a:spcBef>
-              <a:buClr>
-                <a:srgbClr val="000000"/>
-              </a:buClr>
-              <a:buSzPct val="45000"/>
-              <a:buFont typeface="Wingdings" charset="2"/>
-              <a:buChar char=""/>
+        <p:style>
+          <a:lnRef idx="0"/>
+          <a:fillRef idx="0"/>
+          <a:effectRef idx="0"/>
+          <a:fontRef idx="minor"/>
+        </p:style>
+      </p:sp>
+      <p:sp>
+        <p:nvSpPr>
+          <p:cNvPr id="100" name="CustomShape 3"/>
+          <p:cNvSpPr/>
+          <p:nvPr/>
+        </p:nvSpPr>
+        <p:spPr>
+          <a:xfrm>
+            <a:off x="1152000" y="4968000"/>
+            <a:ext cx="8928360" cy="2393640"/>
+          </a:xfrm>
+          <a:prstGeom prst="rect">
+            <a:avLst/>
+          </a:prstGeom>
+          <a:noFill/>
+          <a:ln>
+            <a:noFill/>
+          </a:ln>
+        </p:spPr>
+        <p:style>
+          <a:lnRef idx="0"/>
+          <a:fillRef idx="0"/>
+          <a:effectRef idx="0"/>
+          <a:fontRef idx="minor"/>
+        </p:style>
+        <p:txBody>
+          <a:bodyPr lIns="90000" rIns="90000" tIns="45000" bIns="45000">
+            <a:noAutofit/>
+          </a:bodyPr>
+          <a:p>
+            <a:pPr>
+              <a:lnSpc>
+                <a:spcPct val="100000"/>
+              </a:lnSpc>
+            </a:pPr>
+            <a:endParaRPr b="0" lang="pt-BR" sz="1800" spc="-1" strike="noStrike">
+              <a:latin typeface="Arial"/>
+            </a:endParaRPr>
+          </a:p>
+          <a:p>
+            <a:pPr>
+              <a:lnSpc>
+                <a:spcPct val="100000"/>
+              </a:lnSpc>
+            </a:pPr>
+            <a:endParaRPr b="0" lang="pt-BR" sz="1800" spc="-1" strike="noStrike">
+              <a:latin typeface="Arial"/>
+            </a:endParaRPr>
+          </a:p>
+          <a:p>
+            <a:pPr>
+              <a:lnSpc>
+                <a:spcPct val="100000"/>
+              </a:lnSpc>
+            </a:pPr>
+            <a:endParaRPr b="0" lang="pt-BR" sz="1800" spc="-1" strike="noStrike">
+              <a:latin typeface="Arial"/>
+            </a:endParaRPr>
+          </a:p>
+          <a:p>
+            <a:pPr>
+              <a:lnSpc>
+                <a:spcPct val="100000"/>
+              </a:lnSpc>
             </a:pPr>
             <a:r>
               <a:rPr b="0" lang="pt-BR" sz="1400" spc="-1" strike="noStrike">
-                <a:solidFill>
-                  <a:srgbClr val="000000"/>
-                </a:solidFill>
                 <a:latin typeface="Arial"/>
               </a:rPr>
               <a:t>Referências:</a:t>
             </a:r>
             <a:endParaRPr b="0" lang="pt-BR" sz="1400" spc="-1" strike="noStrike">
-              <a:solidFill>
-                <a:srgbClr val="000000"/>
-              </a:solidFill>
-              <a:latin typeface="Arial"/>
-            </a:endParaRPr>
-          </a:p>
-          <a:p>
-            <a:pPr marL="432000" indent="-324000">
-              <a:spcBef>
-                <a:spcPts val="1417"/>
-              </a:spcBef>
-              <a:buClr>
-                <a:srgbClr val="000000"/>
-              </a:buClr>
-              <a:buSzPct val="45000"/>
-              <a:buFont typeface="Wingdings" charset="2"/>
-              <a:buChar char=""/>
+              <a:latin typeface="Arial"/>
+            </a:endParaRPr>
+          </a:p>
+          <a:p>
+            <a:pPr>
+              <a:lnSpc>
+                <a:spcPct val="100000"/>
+              </a:lnSpc>
+            </a:pPr>
+            <a:endParaRPr b="0" lang="pt-BR" sz="1400" spc="-1" strike="noStrike">
+              <a:latin typeface="Arial"/>
+            </a:endParaRPr>
+          </a:p>
+          <a:p>
+            <a:pPr>
+              <a:lnSpc>
+                <a:spcPct val="100000"/>
+              </a:lnSpc>
             </a:pPr>
             <a:r>
               <a:rPr b="0" lang="pt-BR" sz="1400" spc="-1" strike="noStrike">
-                <a:solidFill>
-                  <a:srgbClr val="000000"/>
-                </a:solidFill>
                 <a:latin typeface="Arial"/>
-                <a:hlinkClick r:id="rId1"/>
               </a:rPr>
-              <a:t>https://www.dca.fee.unicamp.br/cursos/PooJava/</a:t>
+              <a:t>https://learn.microsoft.com/</a:t>
             </a:r>
             <a:endParaRPr b="0" lang="pt-BR" sz="1400" spc="-1" strike="noStrike">
-              <a:solidFill>
-                <a:srgbClr val="000000"/>
-              </a:solidFill>
-              <a:latin typeface="Arial"/>
-            </a:endParaRPr>
-          </a:p>
-          <a:p>
-            <a:pPr marL="432000" indent="-324000">
-              <a:spcBef>
-                <a:spcPts val="1417"/>
-              </a:spcBef>
-              <a:buClr>
-                <a:srgbClr val="000000"/>
-              </a:buClr>
-              <a:buSzPct val="45000"/>
-              <a:buFont typeface="Wingdings" charset="2"/>
-              <a:buChar char=""/>
+              <a:latin typeface="Arial"/>
+            </a:endParaRPr>
+          </a:p>
+          <a:p>
+            <a:pPr>
+              <a:lnSpc>
+                <a:spcPct val="100000"/>
+              </a:lnSpc>
             </a:pPr>
             <a:r>
               <a:rPr b="0" lang="pt-BR" sz="1400" spc="-1" strike="noStrike">
-                <a:solidFill>
-                  <a:srgbClr val="000000"/>
-                </a:solidFill>
+                <a:latin typeface="Arial"/>
+              </a:rPr>
+              <a:t>https://acervolima.com</a:t>
+            </a:r>
+            <a:endParaRPr b="0" lang="pt-BR" sz="1400" spc="-1" strike="noStrike">
+              <a:latin typeface="Arial"/>
+            </a:endParaRPr>
+          </a:p>
+          <a:p>
+            <a:pPr>
+              <a:lnSpc>
+                <a:spcPct val="100000"/>
+              </a:lnSpc>
+            </a:pPr>
+            <a:r>
+              <a:rPr b="0" lang="pt-BR" sz="1400" spc="-1" strike="noStrike">
                 <a:latin typeface="Arial"/>
               </a:rPr>
               <a:t>https://www.dca.fee.unicamp.br/cursos/PooJava/io/io_bfreader.html</a:t>
             </a:r>
             <a:endParaRPr b="0" lang="pt-BR" sz="1400" spc="-1" strike="noStrike">
-              <a:solidFill>
-                <a:srgbClr val="000000"/>
-              </a:solidFill>
-              <a:latin typeface="Arial"/>
-            </a:endParaRPr>
-          </a:p>
-          <a:p>
-            <a:pPr marL="432000" indent="-324000">
-              <a:spcBef>
-                <a:spcPts val="1417"/>
-              </a:spcBef>
-              <a:buClr>
-                <a:srgbClr val="000000"/>
-              </a:buClr>
-              <a:buSzPct val="45000"/>
-              <a:buFont typeface="Wingdings" charset="2"/>
-              <a:buChar char=""/>
+              <a:latin typeface="Arial"/>
+            </a:endParaRPr>
+          </a:p>
+          <a:p>
+            <a:pPr>
+              <a:lnSpc>
+                <a:spcPct val="100000"/>
+              </a:lnSpc>
             </a:pPr>
             <a:r>
               <a:rPr b="0" lang="pt-BR" sz="1400" spc="-1" strike="noStrike">
-                <a:solidFill>
-                  <a:srgbClr val="000000"/>
-                </a:solidFill>
                 <a:latin typeface="Arial"/>
-                <a:hlinkClick r:id="rId2"/>
               </a:rPr>
-              <a:t>https://acervolima.com/</a:t>
+              <a:t>https://www.dca.fee.unicamp.br/cursos/PooJava</a:t>
             </a:r>
             <a:endParaRPr b="0" lang="pt-BR" sz="1400" spc="-1" strike="noStrike">
-              <a:solidFill>
-                <a:srgbClr val="000000"/>
-              </a:solidFill>
-              <a:latin typeface="Arial"/>
-            </a:endParaRPr>
-          </a:p>
-          <a:p>
-            <a:pPr marL="432000" indent="-324000">
-              <a:spcBef>
-                <a:spcPts val="1417"/>
-              </a:spcBef>
-              <a:buClr>
-                <a:srgbClr val="000000"/>
-              </a:buClr>
-              <a:buSzPct val="45000"/>
-              <a:buFont typeface="Wingdings" charset="2"/>
-              <a:buChar char=""/>
+              <a:latin typeface="Arial"/>
+            </a:endParaRPr>
+          </a:p>
+          <a:p>
+            <a:pPr>
+              <a:lnSpc>
+                <a:spcPct val="100000"/>
+              </a:lnSpc>
             </a:pPr>
             <a:r>
               <a:rPr b="0" lang="pt-BR" sz="1400" spc="-1" strike="noStrike">
-                <a:solidFill>
-                  <a:srgbClr val="000000"/>
-                </a:solidFill>
                 <a:latin typeface="Arial"/>
               </a:rPr>
               <a:t>https://www.lncc.br/~rogerio/poo/08-Arquivos-Java/Escrever%20e%20Ler%20arquivos%20com%20Java.pdf</a:t>
             </a:r>
             <a:endParaRPr b="0" lang="pt-BR" sz="1400" spc="-1" strike="noStrike">
-              <a:solidFill>
-                <a:srgbClr val="000000"/>
-              </a:solidFill>
               <a:latin typeface="Arial"/>
             </a:endParaRPr>
           </a:p>
